--- a/Media_Project_Final.pptx
+++ b/Media_Project_Final.pptx
@@ -11,8 +11,8 @@
     <p:sldId id="282" r:id="rId5"/>
     <p:sldId id="322" r:id="rId6"/>
     <p:sldId id="305" r:id="rId7"/>
-    <p:sldId id="307" r:id="rId8"/>
-    <p:sldId id="311" r:id="rId9"/>
+    <p:sldId id="311" r:id="rId8"/>
+    <p:sldId id="307" r:id="rId9"/>
     <p:sldId id="310" r:id="rId10"/>
     <p:sldId id="314" r:id="rId11"/>
     <p:sldId id="315" r:id="rId12"/>
@@ -150,7 +150,7 @@
 <file path=ppt/revisionInfo.xml><?xml version="1.0" encoding="utf-8"?>
 <p1510:revInfo xmlns:a="http://schemas.openxmlformats.org/drawingml/2006/main" xmlns:r="http://schemas.openxmlformats.org/officeDocument/2006/relationships" xmlns:p1510="http://schemas.microsoft.com/office/powerpoint/2015/10/main">
   <p1510:revLst>
-    <p1510:client id="{9F7B6822-7648-4AE9-9C6D-B0FD377F7B5F}" v="160" dt="2023-06-17T13:42:15.840"/>
+    <p1510:client id="{B3FDBC49-ED78-4C94-84D1-B74731E57B3E}" v="139" dt="2023-06-24T20:14:15.879"/>
   </p1510:revLst>
 </p1510:revInfo>
 </file>
@@ -237,7 +237,7 @@
           <a:p>
             <a:fld id="{DCACED07-ADED-1945-A849-D40B2D3DE06D}" type="datetimeFigureOut">
               <a:rPr lang="de-DE" smtClean="0"/>
-              <a:t>19.06.2023</a:t>
+              <a:t>24.06.2023</a:t>
             </a:fld>
             <a:endParaRPr lang="de-DE"/>
           </a:p>
@@ -2113,7 +2113,7 @@
     </p:spTree>
     <p:extLst>
       <p:ext uri="{BB962C8B-B14F-4D97-AF65-F5344CB8AC3E}">
-        <p14:creationId xmlns:p14="http://schemas.microsoft.com/office/powerpoint/2010/main" val="448962506"/>
+        <p14:creationId xmlns:p14="http://schemas.microsoft.com/office/powerpoint/2010/main" val="3944332413"/>
       </p:ext>
     </p:extLst>
   </p:cSld>
@@ -2214,7 +2214,7 @@
     </p:spTree>
     <p:extLst>
       <p:ext uri="{BB962C8B-B14F-4D97-AF65-F5344CB8AC3E}">
-        <p14:creationId xmlns:p14="http://schemas.microsoft.com/office/powerpoint/2010/main" val="3944332413"/>
+        <p14:creationId xmlns:p14="http://schemas.microsoft.com/office/powerpoint/2010/main" val="448962506"/>
       </p:ext>
     </p:extLst>
   </p:cSld>
@@ -7424,29 +7424,90 @@
                                   </p:childTnLst>
                                 </p:cTn>
                               </p:par>
+                            </p:childTnLst>
+                          </p:cTn>
+                        </p:par>
+                      </p:childTnLst>
+                    </p:cTn>
+                  </p:par>
+                  <p:par>
+                    <p:cTn id="48" fill="hold">
+                      <p:stCondLst>
+                        <p:cond delay="indefinite"/>
+                      </p:stCondLst>
+                      <p:childTnLst>
+                        <p:par>
+                          <p:cTn id="49" fill="hold">
+                            <p:stCondLst>
+                              <p:cond delay="0"/>
+                            </p:stCondLst>
+                            <p:childTnLst>
                               <p:par>
-                                <p:cTn id="48" presetID="10" presetClass="exit" presetSubtype="0" fill="hold" nodeType="withEffect">
+                                <p:cTn id="50" presetID="10" presetClass="entr" presetSubtype="0" fill="hold" nodeType="clickEffect">
+                                  <p:stCondLst>
+                                    <p:cond delay="0"/>
+                                  </p:stCondLst>
+                                  <p:childTnLst>
+                                    <p:set>
+                                      <p:cBhvr>
+                                        <p:cTn id="51" dur="1" fill="hold">
+                                          <p:stCondLst>
+                                            <p:cond delay="0"/>
+                                          </p:stCondLst>
+                                        </p:cTn>
+                                        <p:tgtEl>
+                                          <p:spTgt spid="5">
+                                            <p:txEl>
+                                              <p:pRg st="2" end="2"/>
+                                            </p:txEl>
+                                          </p:spTgt>
+                                        </p:tgtEl>
+                                        <p:attrNameLst>
+                                          <p:attrName>style.visibility</p:attrName>
+                                        </p:attrNameLst>
+                                      </p:cBhvr>
+                                      <p:to>
+                                        <p:strVal val="visible"/>
+                                      </p:to>
+                                    </p:set>
+                                    <p:animEffect transition="in" filter="fade">
+                                      <p:cBhvr>
+                                        <p:cTn id="52" dur="500"/>
+                                        <p:tgtEl>
+                                          <p:spTgt spid="5">
+                                            <p:txEl>
+                                              <p:pRg st="2" end="2"/>
+                                            </p:txEl>
+                                          </p:spTgt>
+                                        </p:tgtEl>
+                                      </p:cBhvr>
+                                    </p:animEffect>
+                                  </p:childTnLst>
+                                </p:cTn>
+                              </p:par>
+                              <p:par>
+                                <p:cTn id="53" presetID="10" presetClass="exit" presetSubtype="0" fill="hold" grpId="1" nodeType="withEffect">
                                   <p:stCondLst>
                                     <p:cond delay="0"/>
                                   </p:stCondLst>
                                   <p:childTnLst>
                                     <p:animEffect transition="out" filter="fade">
                                       <p:cBhvr>
-                                        <p:cTn id="49" dur="500"/>
-                                        <p:tgtEl>
-                                          <p:spTgt spid="17"/>
+                                        <p:cTn id="54" dur="500"/>
+                                        <p:tgtEl>
+                                          <p:spTgt spid="19"/>
                                         </p:tgtEl>
                                       </p:cBhvr>
                                     </p:animEffect>
                                     <p:set>
                                       <p:cBhvr>
-                                        <p:cTn id="50" dur="1" fill="hold">
+                                        <p:cTn id="55" dur="1" fill="hold">
                                           <p:stCondLst>
                                             <p:cond delay="499"/>
                                           </p:stCondLst>
                                         </p:cTn>
                                         <p:tgtEl>
-                                          <p:spTgt spid="17"/>
+                                          <p:spTgt spid="19"/>
                                         </p:tgtEl>
                                         <p:attrNameLst>
                                           <p:attrName>style.visibility</p:attrName>
@@ -7460,28 +7521,28 @@
                                 </p:cTn>
                               </p:par>
                               <p:par>
-                                <p:cTn id="51" presetID="10" presetClass="exit" presetSubtype="0" fill="hold" grpId="1" nodeType="withEffect">
+                                <p:cTn id="56" presetID="10" presetClass="exit" presetSubtype="0" fill="hold" grpId="1" nodeType="withEffect">
                                   <p:stCondLst>
                                     <p:cond delay="0"/>
                                   </p:stCondLst>
                                   <p:childTnLst>
                                     <p:animEffect transition="out" filter="fade">
                                       <p:cBhvr>
-                                        <p:cTn id="52" dur="500"/>
-                                        <p:tgtEl>
-                                          <p:spTgt spid="19"/>
+                                        <p:cTn id="57" dur="500"/>
+                                        <p:tgtEl>
+                                          <p:spTgt spid="18"/>
                                         </p:tgtEl>
                                       </p:cBhvr>
                                     </p:animEffect>
                                     <p:set>
                                       <p:cBhvr>
-                                        <p:cTn id="53" dur="1" fill="hold">
+                                        <p:cTn id="58" dur="1" fill="hold">
                                           <p:stCondLst>
                                             <p:cond delay="499"/>
                                           </p:stCondLst>
                                         </p:cTn>
                                         <p:tgtEl>
-                                          <p:spTgt spid="19"/>
+                                          <p:spTgt spid="18"/>
                                         </p:tgtEl>
                                         <p:attrNameLst>
                                           <p:attrName>style.visibility</p:attrName>
@@ -7495,28 +7556,28 @@
                                 </p:cTn>
                               </p:par>
                               <p:par>
-                                <p:cTn id="54" presetID="10" presetClass="exit" presetSubtype="0" fill="hold" grpId="1" nodeType="withEffect">
+                                <p:cTn id="59" presetID="10" presetClass="exit" presetSubtype="0" fill="hold" nodeType="withEffect">
                                   <p:stCondLst>
                                     <p:cond delay="0"/>
                                   </p:stCondLst>
                                   <p:childTnLst>
                                     <p:animEffect transition="out" filter="fade">
                                       <p:cBhvr>
-                                        <p:cTn id="55" dur="500"/>
-                                        <p:tgtEl>
-                                          <p:spTgt spid="18"/>
+                                        <p:cTn id="60" dur="500"/>
+                                        <p:tgtEl>
+                                          <p:spTgt spid="17"/>
                                         </p:tgtEl>
                                       </p:cBhvr>
                                     </p:animEffect>
                                     <p:set>
                                       <p:cBhvr>
-                                        <p:cTn id="56" dur="1" fill="hold">
+                                        <p:cTn id="61" dur="1" fill="hold">
                                           <p:stCondLst>
                                             <p:cond delay="499"/>
                                           </p:stCondLst>
                                         </p:cTn>
                                         <p:tgtEl>
-                                          <p:spTgt spid="18"/>
+                                          <p:spTgt spid="17"/>
                                         </p:tgtEl>
                                         <p:attrNameLst>
                                           <p:attrName>style.visibility</p:attrName>
@@ -7526,67 +7587,6 @@
                                         <p:strVal val="hidden"/>
                                       </p:to>
                                     </p:set>
-                                  </p:childTnLst>
-                                </p:cTn>
-                              </p:par>
-                            </p:childTnLst>
-                          </p:cTn>
-                        </p:par>
-                      </p:childTnLst>
-                    </p:cTn>
-                  </p:par>
-                  <p:par>
-                    <p:cTn id="57" fill="hold">
-                      <p:stCondLst>
-                        <p:cond delay="indefinite"/>
-                      </p:stCondLst>
-                      <p:childTnLst>
-                        <p:par>
-                          <p:cTn id="58" fill="hold">
-                            <p:stCondLst>
-                              <p:cond delay="0"/>
-                            </p:stCondLst>
-                            <p:childTnLst>
-                              <p:par>
-                                <p:cTn id="59" presetID="10" presetClass="entr" presetSubtype="0" fill="hold" nodeType="clickEffect">
-                                  <p:stCondLst>
-                                    <p:cond delay="0"/>
-                                  </p:stCondLst>
-                                  <p:childTnLst>
-                                    <p:set>
-                                      <p:cBhvr>
-                                        <p:cTn id="60" dur="1" fill="hold">
-                                          <p:stCondLst>
-                                            <p:cond delay="0"/>
-                                          </p:stCondLst>
-                                        </p:cTn>
-                                        <p:tgtEl>
-                                          <p:spTgt spid="5">
-                                            <p:txEl>
-                                              <p:pRg st="2" end="2"/>
-                                            </p:txEl>
-                                          </p:spTgt>
-                                        </p:tgtEl>
-                                        <p:attrNameLst>
-                                          <p:attrName>style.visibility</p:attrName>
-                                        </p:attrNameLst>
-                                      </p:cBhvr>
-                                      <p:to>
-                                        <p:strVal val="visible"/>
-                                      </p:to>
-                                    </p:set>
-                                    <p:animEffect transition="in" filter="fade">
-                                      <p:cBhvr>
-                                        <p:cTn id="61" dur="500"/>
-                                        <p:tgtEl>
-                                          <p:spTgt spid="5">
-                                            <p:txEl>
-                                              <p:pRg st="2" end="2"/>
-                                            </p:txEl>
-                                          </p:spTgt>
-                                        </p:tgtEl>
-                                      </p:cBhvr>
-                                    </p:animEffect>
                                   </p:childTnLst>
                                 </p:cTn>
                               </p:par>
@@ -7885,25 +7885,28 @@
           <a:p>
             <a:r>
               <a:rPr lang="en-GB" dirty="0"/>
+              <a:t>Developed in Listening lab</a:t>
+            </a:r>
+          </a:p>
+          <a:p>
+            <a:endParaRPr lang="en-GB" dirty="0"/>
+          </a:p>
+          <a:p>
+            <a:r>
+              <a:rPr lang="en-GB" dirty="0"/>
               <a:t>Attached body tracker with backpack</a:t>
             </a:r>
           </a:p>
           <a:p>
+            <a:pPr marL="0" indent="0">
+              <a:buNone/>
+            </a:pPr>
             <a:endParaRPr lang="en-GB" dirty="0"/>
           </a:p>
           <a:p>
             <a:r>
               <a:rPr lang="en-GB" dirty="0"/>
-              <a:t>Head sensor fitted in headphones</a:t>
-            </a:r>
-          </a:p>
-          <a:p>
-            <a:endParaRPr lang="en-GB" dirty="0"/>
-          </a:p>
-          <a:p>
-            <a:r>
-              <a:rPr lang="en-GB" dirty="0"/>
-              <a:t>Development done in listening lab</a:t>
+              <a:t>Block size (1024),Processing power trade-off</a:t>
             </a:r>
           </a:p>
           <a:p>
@@ -7919,28 +7922,28 @@
             <a:pPr lvl="2"/>
             <a:r>
               <a:rPr lang="de-DE" dirty="0"/>
-              <a:t>Listening Lab (HL):  82m²   RT 0.255s</a:t>
+              <a:t>Listening Lab (HL): RT 0.255s</a:t>
             </a:r>
           </a:p>
           <a:p>
             <a:pPr lvl="2"/>
             <a:r>
               <a:rPr lang="de-DE" dirty="0"/>
-              <a:t>Editorial Room Media Lab 2 (ML2-102): 32m²   RT 0.52s</a:t>
+              <a:t>Editorial Room Media Lab 2 (ML2-102): RT 0.52s</a:t>
             </a:r>
           </a:p>
           <a:p>
             <a:pPr lvl="2"/>
             <a:r>
               <a:rPr lang="de-DE" dirty="0"/>
-              <a:t>Seminar Room (H2505):  18m²   RT 1,2s</a:t>
+              <a:t>Seminar Room (H2505): RT 1,2s</a:t>
             </a:r>
           </a:p>
           <a:p>
             <a:pPr lvl="2"/>
             <a:r>
               <a:rPr lang="de-DE" dirty="0"/>
-              <a:t>Audio/Video Lab (H1593b):  27m²   RT 0.28s</a:t>
+              <a:t>Audio/Video Lab (H1593b): RT 0.28s</a:t>
             </a:r>
           </a:p>
           <a:p>
@@ -8115,21 +8118,43 @@
                                   </p:childTnLst>
                                 </p:cTn>
                               </p:par>
+                            </p:childTnLst>
+                          </p:cTn>
+                        </p:par>
+                      </p:childTnLst>
+                    </p:cTn>
+                  </p:par>
+                  <p:par>
+                    <p:cTn id="8" fill="hold">
+                      <p:stCondLst>
+                        <p:cond delay="indefinite"/>
+                      </p:stCondLst>
+                      <p:childTnLst>
+                        <p:par>
+                          <p:cTn id="9" fill="hold">
+                            <p:stCondLst>
+                              <p:cond delay="0"/>
+                            </p:stCondLst>
+                            <p:childTnLst>
                               <p:par>
-                                <p:cTn id="8" presetID="10" presetClass="entr" presetSubtype="0" fill="hold" nodeType="withEffect">
+                                <p:cTn id="10" presetID="10" presetClass="entr" presetSubtype="0" fill="hold" nodeType="clickEffect">
                                   <p:stCondLst>
                                     <p:cond delay="0"/>
                                   </p:stCondLst>
                                   <p:childTnLst>
                                     <p:set>
                                       <p:cBhvr>
-                                        <p:cTn id="9" dur="1" fill="hold">
+                                        <p:cTn id="11" dur="1" fill="hold">
                                           <p:stCondLst>
                                             <p:cond delay="0"/>
                                           </p:stCondLst>
                                         </p:cTn>
                                         <p:tgtEl>
-                                          <p:spTgt spid="10"/>
+                                          <p:spTgt spid="5">
+                                            <p:txEl>
+                                              <p:pRg st="4" end="4"/>
+                                            </p:txEl>
+                                          </p:spTgt>
                                         </p:tgtEl>
                                         <p:attrNameLst>
                                           <p:attrName>style.visibility</p:attrName>
@@ -8141,9 +8166,13 @@
                                     </p:set>
                                     <p:animEffect transition="in" filter="fade">
                                       <p:cBhvr>
-                                        <p:cTn id="10" dur="500"/>
-                                        <p:tgtEl>
-                                          <p:spTgt spid="10"/>
+                                        <p:cTn id="12" dur="500"/>
+                                        <p:tgtEl>
+                                          <p:spTgt spid="5">
+                                            <p:txEl>
+                                              <p:pRg st="4" end="4"/>
+                                            </p:txEl>
+                                          </p:spTgt>
                                         </p:tgtEl>
                                       </p:cBhvr>
                                     </p:animEffect>
@@ -8157,26 +8186,26 @@
                     </p:cTn>
                   </p:par>
                   <p:par>
-                    <p:cTn id="11" fill="hold">
+                    <p:cTn id="13" fill="hold">
                       <p:stCondLst>
                         <p:cond delay="indefinite"/>
                       </p:stCondLst>
                       <p:childTnLst>
                         <p:par>
-                          <p:cTn id="12" fill="hold">
+                          <p:cTn id="14" fill="hold">
                             <p:stCondLst>
                               <p:cond delay="0"/>
                             </p:stCondLst>
                             <p:childTnLst>
                               <p:par>
-                                <p:cTn id="13" presetID="10" presetClass="entr" presetSubtype="0" fill="hold" nodeType="clickEffect">
+                                <p:cTn id="15" presetID="10" presetClass="entr" presetSubtype="0" fill="hold" nodeType="clickEffect">
                                   <p:stCondLst>
                                     <p:cond delay="0"/>
                                   </p:stCondLst>
                                   <p:childTnLst>
                                     <p:set>
                                       <p:cBhvr>
-                                        <p:cTn id="14" dur="1" fill="hold">
+                                        <p:cTn id="16" dur="1" fill="hold">
                                           <p:stCondLst>
                                             <p:cond delay="0"/>
                                           </p:stCondLst>
@@ -8184,7 +8213,7 @@
                                         <p:tgtEl>
                                           <p:spTgt spid="5">
                                             <p:txEl>
-                                              <p:pRg st="4" end="4"/>
+                                              <p:pRg st="6" end="6"/>
                                             </p:txEl>
                                           </p:spTgt>
                                         </p:tgtEl>
@@ -8198,11 +8227,183 @@
                                     </p:set>
                                     <p:animEffect transition="in" filter="fade">
                                       <p:cBhvr>
-                                        <p:cTn id="15" dur="500"/>
+                                        <p:cTn id="17" dur="500"/>
                                         <p:tgtEl>
                                           <p:spTgt spid="5">
                                             <p:txEl>
-                                              <p:pRg st="4" end="4"/>
+                                              <p:pRg st="6" end="6"/>
+                                            </p:txEl>
+                                          </p:spTgt>
+                                        </p:tgtEl>
+                                      </p:cBhvr>
+                                    </p:animEffect>
+                                  </p:childTnLst>
+                                </p:cTn>
+                              </p:par>
+                              <p:par>
+                                <p:cTn id="18" presetID="10" presetClass="entr" presetSubtype="0" fill="hold" nodeType="withEffect">
+                                  <p:stCondLst>
+                                    <p:cond delay="0"/>
+                                  </p:stCondLst>
+                                  <p:childTnLst>
+                                    <p:set>
+                                      <p:cBhvr>
+                                        <p:cTn id="19" dur="1" fill="hold">
+                                          <p:stCondLst>
+                                            <p:cond delay="0"/>
+                                          </p:stCondLst>
+                                        </p:cTn>
+                                        <p:tgtEl>
+                                          <p:spTgt spid="5">
+                                            <p:txEl>
+                                              <p:pRg st="7" end="7"/>
+                                            </p:txEl>
+                                          </p:spTgt>
+                                        </p:tgtEl>
+                                        <p:attrNameLst>
+                                          <p:attrName>style.visibility</p:attrName>
+                                        </p:attrNameLst>
+                                      </p:cBhvr>
+                                      <p:to>
+                                        <p:strVal val="visible"/>
+                                      </p:to>
+                                    </p:set>
+                                    <p:animEffect transition="in" filter="fade">
+                                      <p:cBhvr>
+                                        <p:cTn id="20" dur="500"/>
+                                        <p:tgtEl>
+                                          <p:spTgt spid="5">
+                                            <p:txEl>
+                                              <p:pRg st="7" end="7"/>
+                                            </p:txEl>
+                                          </p:spTgt>
+                                        </p:tgtEl>
+                                      </p:cBhvr>
+                                    </p:animEffect>
+                                  </p:childTnLst>
+                                </p:cTn>
+                              </p:par>
+                              <p:par>
+                                <p:cTn id="21" presetID="10" presetClass="entr" presetSubtype="0" fill="hold" nodeType="withEffect">
+                                  <p:stCondLst>
+                                    <p:cond delay="0"/>
+                                  </p:stCondLst>
+                                  <p:childTnLst>
+                                    <p:set>
+                                      <p:cBhvr>
+                                        <p:cTn id="22" dur="1" fill="hold">
+                                          <p:stCondLst>
+                                            <p:cond delay="0"/>
+                                          </p:stCondLst>
+                                        </p:cTn>
+                                        <p:tgtEl>
+                                          <p:spTgt spid="5">
+                                            <p:txEl>
+                                              <p:pRg st="8" end="8"/>
+                                            </p:txEl>
+                                          </p:spTgt>
+                                        </p:tgtEl>
+                                        <p:attrNameLst>
+                                          <p:attrName>style.visibility</p:attrName>
+                                        </p:attrNameLst>
+                                      </p:cBhvr>
+                                      <p:to>
+                                        <p:strVal val="visible"/>
+                                      </p:to>
+                                    </p:set>
+                                    <p:animEffect transition="in" filter="fade">
+                                      <p:cBhvr>
+                                        <p:cTn id="23" dur="500"/>
+                                        <p:tgtEl>
+                                          <p:spTgt spid="5">
+                                            <p:txEl>
+                                              <p:pRg st="8" end="8"/>
+                                            </p:txEl>
+                                          </p:spTgt>
+                                        </p:tgtEl>
+                                      </p:cBhvr>
+                                    </p:animEffect>
+                                  </p:childTnLst>
+                                </p:cTn>
+                              </p:par>
+                              <p:par>
+                                <p:cTn id="24" presetID="10" presetClass="entr" presetSubtype="0" fill="hold" nodeType="withEffect">
+                                  <p:stCondLst>
+                                    <p:cond delay="0"/>
+                                  </p:stCondLst>
+                                  <p:childTnLst>
+                                    <p:set>
+                                      <p:cBhvr>
+                                        <p:cTn id="25" dur="1" fill="hold">
+                                          <p:stCondLst>
+                                            <p:cond delay="0"/>
+                                          </p:stCondLst>
+                                        </p:cTn>
+                                        <p:tgtEl>
+                                          <p:spTgt spid="5">
+                                            <p:txEl>
+                                              <p:pRg st="9" end="9"/>
+                                            </p:txEl>
+                                          </p:spTgt>
+                                        </p:tgtEl>
+                                        <p:attrNameLst>
+                                          <p:attrName>style.visibility</p:attrName>
+                                        </p:attrNameLst>
+                                      </p:cBhvr>
+                                      <p:to>
+                                        <p:strVal val="visible"/>
+                                      </p:to>
+                                    </p:set>
+                                    <p:animEffect transition="in" filter="fade">
+                                      <p:cBhvr>
+                                        <p:cTn id="26" dur="500"/>
+                                        <p:tgtEl>
+                                          <p:spTgt spid="5">
+                                            <p:txEl>
+                                              <p:pRg st="9" end="9"/>
+                                            </p:txEl>
+                                          </p:spTgt>
+                                        </p:tgtEl>
+                                      </p:cBhvr>
+                                    </p:animEffect>
+                                  </p:childTnLst>
+                                </p:cTn>
+                              </p:par>
+                              <p:par>
+                                <p:cTn id="27" presetID="10" presetClass="entr" presetSubtype="0" fill="hold" nodeType="withEffect">
+                                  <p:stCondLst>
+                                    <p:cond delay="0"/>
+                                  </p:stCondLst>
+                                  <p:childTnLst>
+                                    <p:set>
+                                      <p:cBhvr>
+                                        <p:cTn id="28" dur="1" fill="hold">
+                                          <p:stCondLst>
+                                            <p:cond delay="0"/>
+                                          </p:stCondLst>
+                                        </p:cTn>
+                                        <p:tgtEl>
+                                          <p:spTgt spid="5">
+                                            <p:txEl>
+                                              <p:pRg st="10" end="10"/>
+                                            </p:txEl>
+                                          </p:spTgt>
+                                        </p:tgtEl>
+                                        <p:attrNameLst>
+                                          <p:attrName>style.visibility</p:attrName>
+                                        </p:attrNameLst>
+                                      </p:cBhvr>
+                                      <p:to>
+                                        <p:strVal val="visible"/>
+                                      </p:to>
+                                    </p:set>
+                                    <p:animEffect transition="in" filter="fade">
+                                      <p:cBhvr>
+                                        <p:cTn id="29" dur="500"/>
+                                        <p:tgtEl>
+                                          <p:spTgt spid="5">
+                                            <p:txEl>
+                                              <p:pRg st="10" end="10"/>
                                             </p:txEl>
                                           </p:spTgt>
                                         </p:tgtEl>
@@ -8218,26 +8419,26 @@
                     </p:cTn>
                   </p:par>
                   <p:par>
-                    <p:cTn id="16" fill="hold">
+                    <p:cTn id="30" fill="hold">
                       <p:stCondLst>
                         <p:cond delay="indefinite"/>
                       </p:stCondLst>
                       <p:childTnLst>
                         <p:par>
-                          <p:cTn id="17" fill="hold">
+                          <p:cTn id="31" fill="hold">
                             <p:stCondLst>
                               <p:cond delay="0"/>
                             </p:stCondLst>
                             <p:childTnLst>
                               <p:par>
-                                <p:cTn id="18" presetID="10" presetClass="entr" presetSubtype="0" fill="hold" nodeType="clickEffect">
+                                <p:cTn id="32" presetID="10" presetClass="entr" presetSubtype="0" fill="hold" nodeType="clickEffect">
                                   <p:stCondLst>
                                     <p:cond delay="0"/>
                                   </p:stCondLst>
                                   <p:childTnLst>
                                     <p:set>
                                       <p:cBhvr>
-                                        <p:cTn id="19" dur="1" fill="hold">
+                                        <p:cTn id="33" dur="1" fill="hold">
                                           <p:stCondLst>
                                             <p:cond delay="0"/>
                                           </p:stCondLst>
@@ -8245,7 +8446,7 @@
                                         <p:tgtEl>
                                           <p:spTgt spid="5">
                                             <p:txEl>
-                                              <p:pRg st="6" end="6"/>
+                                              <p:pRg st="12" end="12"/>
                                             </p:txEl>
                                           </p:spTgt>
                                         </p:tgtEl>
@@ -8259,240 +8460,7 @@
                                     </p:set>
                                     <p:animEffect transition="in" filter="fade">
                                       <p:cBhvr>
-                                        <p:cTn id="20" dur="500"/>
-                                        <p:tgtEl>
-                                          <p:spTgt spid="5">
-                                            <p:txEl>
-                                              <p:pRg st="6" end="6"/>
-                                            </p:txEl>
-                                          </p:spTgt>
-                                        </p:tgtEl>
-                                      </p:cBhvr>
-                                    </p:animEffect>
-                                  </p:childTnLst>
-                                </p:cTn>
-                              </p:par>
-                              <p:par>
-                                <p:cTn id="21" presetID="10" presetClass="entr" presetSubtype="0" fill="hold" nodeType="withEffect">
-                                  <p:stCondLst>
-                                    <p:cond delay="0"/>
-                                  </p:stCondLst>
-                                  <p:childTnLst>
-                                    <p:set>
-                                      <p:cBhvr>
-                                        <p:cTn id="22" dur="1" fill="hold">
-                                          <p:stCondLst>
-                                            <p:cond delay="0"/>
-                                          </p:stCondLst>
-                                        </p:cTn>
-                                        <p:tgtEl>
-                                          <p:spTgt spid="5">
-                                            <p:txEl>
-                                              <p:pRg st="7" end="7"/>
-                                            </p:txEl>
-                                          </p:spTgt>
-                                        </p:tgtEl>
-                                        <p:attrNameLst>
-                                          <p:attrName>style.visibility</p:attrName>
-                                        </p:attrNameLst>
-                                      </p:cBhvr>
-                                      <p:to>
-                                        <p:strVal val="visible"/>
-                                      </p:to>
-                                    </p:set>
-                                    <p:animEffect transition="in" filter="fade">
-                                      <p:cBhvr>
-                                        <p:cTn id="23" dur="500"/>
-                                        <p:tgtEl>
-                                          <p:spTgt spid="5">
-                                            <p:txEl>
-                                              <p:pRg st="7" end="7"/>
-                                            </p:txEl>
-                                          </p:spTgt>
-                                        </p:tgtEl>
-                                      </p:cBhvr>
-                                    </p:animEffect>
-                                  </p:childTnLst>
-                                </p:cTn>
-                              </p:par>
-                              <p:par>
-                                <p:cTn id="24" presetID="10" presetClass="entr" presetSubtype="0" fill="hold" nodeType="withEffect">
-                                  <p:stCondLst>
-                                    <p:cond delay="0"/>
-                                  </p:stCondLst>
-                                  <p:childTnLst>
-                                    <p:set>
-                                      <p:cBhvr>
-                                        <p:cTn id="25" dur="1" fill="hold">
-                                          <p:stCondLst>
-                                            <p:cond delay="0"/>
-                                          </p:stCondLst>
-                                        </p:cTn>
-                                        <p:tgtEl>
-                                          <p:spTgt spid="5">
-                                            <p:txEl>
-                                              <p:pRg st="8" end="8"/>
-                                            </p:txEl>
-                                          </p:spTgt>
-                                        </p:tgtEl>
-                                        <p:attrNameLst>
-                                          <p:attrName>style.visibility</p:attrName>
-                                        </p:attrNameLst>
-                                      </p:cBhvr>
-                                      <p:to>
-                                        <p:strVal val="visible"/>
-                                      </p:to>
-                                    </p:set>
-                                    <p:animEffect transition="in" filter="fade">
-                                      <p:cBhvr>
-                                        <p:cTn id="26" dur="500"/>
-                                        <p:tgtEl>
-                                          <p:spTgt spid="5">
-                                            <p:txEl>
-                                              <p:pRg st="8" end="8"/>
-                                            </p:txEl>
-                                          </p:spTgt>
-                                        </p:tgtEl>
-                                      </p:cBhvr>
-                                    </p:animEffect>
-                                  </p:childTnLst>
-                                </p:cTn>
-                              </p:par>
-                              <p:par>
-                                <p:cTn id="27" presetID="10" presetClass="entr" presetSubtype="0" fill="hold" nodeType="withEffect">
-                                  <p:stCondLst>
-                                    <p:cond delay="0"/>
-                                  </p:stCondLst>
-                                  <p:childTnLst>
-                                    <p:set>
-                                      <p:cBhvr>
-                                        <p:cTn id="28" dur="1" fill="hold">
-                                          <p:stCondLst>
-                                            <p:cond delay="0"/>
-                                          </p:stCondLst>
-                                        </p:cTn>
-                                        <p:tgtEl>
-                                          <p:spTgt spid="5">
-                                            <p:txEl>
-                                              <p:pRg st="9" end="9"/>
-                                            </p:txEl>
-                                          </p:spTgt>
-                                        </p:tgtEl>
-                                        <p:attrNameLst>
-                                          <p:attrName>style.visibility</p:attrName>
-                                        </p:attrNameLst>
-                                      </p:cBhvr>
-                                      <p:to>
-                                        <p:strVal val="visible"/>
-                                      </p:to>
-                                    </p:set>
-                                    <p:animEffect transition="in" filter="fade">
-                                      <p:cBhvr>
-                                        <p:cTn id="29" dur="500"/>
-                                        <p:tgtEl>
-                                          <p:spTgt spid="5">
-                                            <p:txEl>
-                                              <p:pRg st="9" end="9"/>
-                                            </p:txEl>
-                                          </p:spTgt>
-                                        </p:tgtEl>
-                                      </p:cBhvr>
-                                    </p:animEffect>
-                                  </p:childTnLst>
-                                </p:cTn>
-                              </p:par>
-                              <p:par>
-                                <p:cTn id="30" presetID="10" presetClass="entr" presetSubtype="0" fill="hold" nodeType="withEffect">
-                                  <p:stCondLst>
-                                    <p:cond delay="0"/>
-                                  </p:stCondLst>
-                                  <p:childTnLst>
-                                    <p:set>
-                                      <p:cBhvr>
-                                        <p:cTn id="31" dur="1" fill="hold">
-                                          <p:stCondLst>
-                                            <p:cond delay="0"/>
-                                          </p:stCondLst>
-                                        </p:cTn>
-                                        <p:tgtEl>
-                                          <p:spTgt spid="5">
-                                            <p:txEl>
-                                              <p:pRg st="10" end="10"/>
-                                            </p:txEl>
-                                          </p:spTgt>
-                                        </p:tgtEl>
-                                        <p:attrNameLst>
-                                          <p:attrName>style.visibility</p:attrName>
-                                        </p:attrNameLst>
-                                      </p:cBhvr>
-                                      <p:to>
-                                        <p:strVal val="visible"/>
-                                      </p:to>
-                                    </p:set>
-                                    <p:animEffect transition="in" filter="fade">
-                                      <p:cBhvr>
-                                        <p:cTn id="32" dur="500"/>
-                                        <p:tgtEl>
-                                          <p:spTgt spid="5">
-                                            <p:txEl>
-                                              <p:pRg st="10" end="10"/>
-                                            </p:txEl>
-                                          </p:spTgt>
-                                        </p:tgtEl>
-                                      </p:cBhvr>
-                                    </p:animEffect>
-                                  </p:childTnLst>
-                                </p:cTn>
-                              </p:par>
-                            </p:childTnLst>
-                          </p:cTn>
-                        </p:par>
-                      </p:childTnLst>
-                    </p:cTn>
-                  </p:par>
-                  <p:par>
-                    <p:cTn id="33" fill="hold">
-                      <p:stCondLst>
-                        <p:cond delay="indefinite"/>
-                      </p:stCondLst>
-                      <p:childTnLst>
-                        <p:par>
-                          <p:cTn id="34" fill="hold">
-                            <p:stCondLst>
-                              <p:cond delay="0"/>
-                            </p:stCondLst>
-                            <p:childTnLst>
-                              <p:par>
-                                <p:cTn id="35" presetID="10" presetClass="entr" presetSubtype="0" fill="hold" nodeType="clickEffect">
-                                  <p:stCondLst>
-                                    <p:cond delay="0"/>
-                                  </p:stCondLst>
-                                  <p:childTnLst>
-                                    <p:set>
-                                      <p:cBhvr>
-                                        <p:cTn id="36" dur="1" fill="hold">
-                                          <p:stCondLst>
-                                            <p:cond delay="0"/>
-                                          </p:stCondLst>
-                                        </p:cTn>
-                                        <p:tgtEl>
-                                          <p:spTgt spid="5">
-                                            <p:txEl>
-                                              <p:pRg st="12" end="12"/>
-                                            </p:txEl>
-                                          </p:spTgt>
-                                        </p:tgtEl>
-                                        <p:attrNameLst>
-                                          <p:attrName>style.visibility</p:attrName>
-                                        </p:attrNameLst>
-                                      </p:cBhvr>
-                                      <p:to>
-                                        <p:strVal val="visible"/>
-                                      </p:to>
-                                    </p:set>
-                                    <p:animEffect transition="in" filter="fade">
-                                      <p:cBhvr>
-                                        <p:cTn id="37" dur="500"/>
+                                        <p:cTn id="34" dur="500"/>
                                         <p:tgtEl>
                                           <p:spTgt spid="5">
                                             <p:txEl>
@@ -8825,6 +8793,36 @@
           </a:prstGeom>
         </p:spPr>
       </p:pic>
+      <p:pic>
+        <p:nvPicPr>
+          <p:cNvPr id="6" name="Picture 5">
+            <a:extLst>
+              <a:ext uri="{FF2B5EF4-FFF2-40B4-BE49-F238E27FC236}">
+                <a16:creationId xmlns:a16="http://schemas.microsoft.com/office/drawing/2014/main" id="{680F6C00-52AE-C797-5ACF-83285FEDC492}"/>
+              </a:ext>
+            </a:extLst>
+          </p:cNvPr>
+          <p:cNvPicPr>
+            <a:picLocks noChangeAspect="1"/>
+          </p:cNvPicPr>
+          <p:nvPr/>
+        </p:nvPicPr>
+        <p:blipFill>
+          <a:blip r:embed="rId7"/>
+          <a:stretch>
+            <a:fillRect/>
+          </a:stretch>
+        </p:blipFill>
+        <p:spPr>
+          <a:xfrm>
+            <a:off x="3702300" y="699387"/>
+            <a:ext cx="4818186" cy="1066800"/>
+          </a:xfrm>
+          <a:prstGeom prst="rect">
+            <a:avLst/>
+          </a:prstGeom>
+        </p:spPr>
+      </p:pic>
     </p:spTree>
     <p:extLst>
       <p:ext uri="{BB962C8B-B14F-4D97-AF65-F5344CB8AC3E}">
@@ -8911,14 +8909,49 @@
                                 </p:cTn>
                               </p:par>
                               <p:par>
-                                <p:cTn id="8" presetID="10" presetClass="entr" presetSubtype="0" fill="hold" nodeType="withEffect">
+                                <p:cTn id="8" presetID="10" presetClass="exit" presetSubtype="0" fill="hold" nodeType="withEffect">
+                                  <p:stCondLst>
+                                    <p:cond delay="0"/>
+                                  </p:stCondLst>
+                                  <p:childTnLst>
+                                    <p:animEffect transition="out" filter="fade">
+                                      <p:cBhvr>
+                                        <p:cTn id="9" dur="500"/>
+                                        <p:tgtEl>
+                                          <p:spTgt spid="6"/>
+                                        </p:tgtEl>
+                                      </p:cBhvr>
+                                    </p:animEffect>
+                                    <p:set>
+                                      <p:cBhvr>
+                                        <p:cTn id="10" dur="1" fill="hold">
+                                          <p:stCondLst>
+                                            <p:cond delay="499"/>
+                                          </p:stCondLst>
+                                        </p:cTn>
+                                        <p:tgtEl>
+                                          <p:spTgt spid="6"/>
+                                        </p:tgtEl>
+                                        <p:attrNameLst>
+                                          <p:attrName>style.visibility</p:attrName>
+                                        </p:attrNameLst>
+                                      </p:cBhvr>
+                                      <p:to>
+                                        <p:strVal val="hidden"/>
+                                      </p:to>
+                                    </p:set>
+                                  </p:childTnLst>
+                                </p:cTn>
+                              </p:par>
+                              <p:par>
+                                <p:cTn id="11" presetID="10" presetClass="entr" presetSubtype="0" fill="hold" nodeType="withEffect">
                                   <p:stCondLst>
                                     <p:cond delay="0"/>
                                   </p:stCondLst>
                                   <p:childTnLst>
                                     <p:set>
                                       <p:cBhvr>
-                                        <p:cTn id="9" dur="1" fill="hold">
+                                        <p:cTn id="12" dur="1" fill="hold">
                                           <p:stCondLst>
                                             <p:cond delay="0"/>
                                           </p:stCondLst>
@@ -8936,7 +8969,7 @@
                                     </p:set>
                                     <p:animEffect transition="in" filter="fade">
                                       <p:cBhvr>
-                                        <p:cTn id="10" dur="500"/>
+                                        <p:cTn id="13" dur="500"/>
                                         <p:tgtEl>
                                           <p:spTgt spid="7"/>
                                         </p:tgtEl>
@@ -8952,26 +8985,26 @@
                     </p:cTn>
                   </p:par>
                   <p:par>
-                    <p:cTn id="11" fill="hold">
+                    <p:cTn id="14" fill="hold">
                       <p:stCondLst>
                         <p:cond delay="indefinite"/>
                       </p:stCondLst>
                       <p:childTnLst>
                         <p:par>
-                          <p:cTn id="12" fill="hold">
+                          <p:cTn id="15" fill="hold">
                             <p:stCondLst>
                               <p:cond delay="0"/>
                             </p:stCondLst>
                             <p:childTnLst>
                               <p:par>
-                                <p:cTn id="13" presetID="10" presetClass="entr" presetSubtype="0" fill="hold" nodeType="clickEffect">
+                                <p:cTn id="16" presetID="10" presetClass="entr" presetSubtype="0" fill="hold" nodeType="clickEffect">
                                   <p:stCondLst>
                                     <p:cond delay="0"/>
                                   </p:stCondLst>
                                   <p:childTnLst>
                                     <p:set>
                                       <p:cBhvr>
-                                        <p:cTn id="14" dur="1" fill="hold">
+                                        <p:cTn id="17" dur="1" fill="hold">
                                           <p:stCondLst>
                                             <p:cond delay="0"/>
                                           </p:stCondLst>
@@ -8993,7 +9026,7 @@
                                     </p:set>
                                     <p:animEffect transition="in" filter="fade">
                                       <p:cBhvr>
-                                        <p:cTn id="15" dur="500"/>
+                                        <p:cTn id="18" dur="500"/>
                                         <p:tgtEl>
                                           <p:spTgt spid="5">
                                             <p:txEl>
@@ -9013,26 +9046,26 @@
                     </p:cTn>
                   </p:par>
                   <p:par>
-                    <p:cTn id="16" fill="hold">
+                    <p:cTn id="19" fill="hold">
                       <p:stCondLst>
                         <p:cond delay="indefinite"/>
                       </p:stCondLst>
                       <p:childTnLst>
                         <p:par>
-                          <p:cTn id="17" fill="hold">
+                          <p:cTn id="20" fill="hold">
                             <p:stCondLst>
                               <p:cond delay="0"/>
                             </p:stCondLst>
                             <p:childTnLst>
                               <p:par>
-                                <p:cTn id="18" presetID="10" presetClass="entr" presetSubtype="0" fill="hold" nodeType="clickEffect">
+                                <p:cTn id="21" presetID="10" presetClass="entr" presetSubtype="0" fill="hold" nodeType="clickEffect">
                                   <p:stCondLst>
                                     <p:cond delay="0"/>
                                   </p:stCondLst>
                                   <p:childTnLst>
                                     <p:set>
                                       <p:cBhvr>
-                                        <p:cTn id="19" dur="1" fill="hold">
+                                        <p:cTn id="22" dur="1" fill="hold">
                                           <p:stCondLst>
                                             <p:cond delay="0"/>
                                           </p:stCondLst>
@@ -9054,7 +9087,7 @@
                                     </p:set>
                                     <p:animEffect transition="in" filter="fade">
                                       <p:cBhvr>
-                                        <p:cTn id="20" dur="500"/>
+                                        <p:cTn id="23" dur="500"/>
                                         <p:tgtEl>
                                           <p:spTgt spid="5">
                                             <p:txEl>
@@ -9068,14 +9101,14 @@
                                 </p:cTn>
                               </p:par>
                               <p:par>
-                                <p:cTn id="21" presetID="10" presetClass="entr" presetSubtype="0" fill="hold" nodeType="withEffect">
+                                <p:cTn id="24" presetID="10" presetClass="entr" presetSubtype="0" fill="hold" nodeType="withEffect">
                                   <p:stCondLst>
                                     <p:cond delay="0"/>
                                   </p:stCondLst>
                                   <p:childTnLst>
                                     <p:set>
                                       <p:cBhvr>
-                                        <p:cTn id="22" dur="1" fill="hold">
+                                        <p:cTn id="25" dur="1" fill="hold">
                                           <p:stCondLst>
                                             <p:cond delay="0"/>
                                           </p:stCondLst>
@@ -9093,7 +9126,7 @@
                                     </p:set>
                                     <p:animEffect transition="in" filter="fade">
                                       <p:cBhvr>
-                                        <p:cTn id="23" dur="500"/>
+                                        <p:cTn id="26" dur="500"/>
                                         <p:tgtEl>
                                           <p:spTgt spid="9"/>
                                         </p:tgtEl>
@@ -9103,14 +9136,14 @@
                                 </p:cTn>
                               </p:par>
                               <p:par>
-                                <p:cTn id="24" presetID="10" presetClass="exit" presetSubtype="0" fill="hold" nodeType="withEffect">
+                                <p:cTn id="27" presetID="10" presetClass="exit" presetSubtype="0" fill="hold" nodeType="withEffect">
                                   <p:stCondLst>
                                     <p:cond delay="0"/>
                                   </p:stCondLst>
                                   <p:childTnLst>
                                     <p:animEffect transition="out" filter="fade">
                                       <p:cBhvr>
-                                        <p:cTn id="25" dur="500"/>
+                                        <p:cTn id="28" dur="500"/>
                                         <p:tgtEl>
                                           <p:spTgt spid="7"/>
                                         </p:tgtEl>
@@ -9118,7 +9151,7 @@
                                     </p:animEffect>
                                     <p:set>
                                       <p:cBhvr>
-                                        <p:cTn id="26" dur="1" fill="hold">
+                                        <p:cTn id="29" dur="1" fill="hold">
                                           <p:stCondLst>
                                             <p:cond delay="499"/>
                                           </p:stCondLst>
@@ -9144,26 +9177,26 @@
                     </p:cTn>
                   </p:par>
                   <p:par>
-                    <p:cTn id="27" fill="hold">
+                    <p:cTn id="30" fill="hold">
                       <p:stCondLst>
                         <p:cond delay="indefinite"/>
                       </p:stCondLst>
                       <p:childTnLst>
                         <p:par>
-                          <p:cTn id="28" fill="hold">
+                          <p:cTn id="31" fill="hold">
                             <p:stCondLst>
                               <p:cond delay="0"/>
                             </p:stCondLst>
                             <p:childTnLst>
                               <p:par>
-                                <p:cTn id="29" presetID="10" presetClass="entr" presetSubtype="0" fill="hold" nodeType="clickEffect">
+                                <p:cTn id="32" presetID="10" presetClass="entr" presetSubtype="0" fill="hold" nodeType="clickEffect">
                                   <p:stCondLst>
                                     <p:cond delay="0"/>
                                   </p:stCondLst>
                                   <p:childTnLst>
                                     <p:set>
                                       <p:cBhvr>
-                                        <p:cTn id="30" dur="1" fill="hold">
+                                        <p:cTn id="33" dur="1" fill="hold">
                                           <p:stCondLst>
                                             <p:cond delay="0"/>
                                           </p:stCondLst>
@@ -9181,7 +9214,7 @@
                                     </p:set>
                                     <p:animEffect transition="in" filter="fade">
                                       <p:cBhvr>
-                                        <p:cTn id="31" dur="500"/>
+                                        <p:cTn id="34" dur="500"/>
                                         <p:tgtEl>
                                           <p:spTgt spid="12"/>
                                         </p:tgtEl>
@@ -9191,14 +9224,14 @@
                                 </p:cTn>
                               </p:par>
                               <p:par>
-                                <p:cTn id="32" presetID="10" presetClass="exit" presetSubtype="0" fill="hold" nodeType="withEffect">
+                                <p:cTn id="35" presetID="10" presetClass="exit" presetSubtype="0" fill="hold" nodeType="withEffect">
                                   <p:stCondLst>
                                     <p:cond delay="0"/>
                                   </p:stCondLst>
                                   <p:childTnLst>
                                     <p:animEffect transition="out" filter="fade">
                                       <p:cBhvr>
-                                        <p:cTn id="33" dur="500"/>
+                                        <p:cTn id="36" dur="500"/>
                                         <p:tgtEl>
                                           <p:spTgt spid="9"/>
                                         </p:tgtEl>
@@ -9206,7 +9239,7 @@
                                     </p:animEffect>
                                     <p:set>
                                       <p:cBhvr>
-                                        <p:cTn id="34" dur="1" fill="hold">
+                                        <p:cTn id="37" dur="1" fill="hold">
                                           <p:stCondLst>
                                             <p:cond delay="499"/>
                                           </p:stCondLst>
@@ -9232,26 +9265,26 @@
                     </p:cTn>
                   </p:par>
                   <p:par>
-                    <p:cTn id="35" fill="hold">
+                    <p:cTn id="38" fill="hold">
                       <p:stCondLst>
                         <p:cond delay="indefinite"/>
                       </p:stCondLst>
                       <p:childTnLst>
                         <p:par>
-                          <p:cTn id="36" fill="hold">
+                          <p:cTn id="39" fill="hold">
                             <p:stCondLst>
                               <p:cond delay="0"/>
                             </p:stCondLst>
                             <p:childTnLst>
                               <p:par>
-                                <p:cTn id="37" presetID="10" presetClass="entr" presetSubtype="0" fill="hold" nodeType="clickEffect">
+                                <p:cTn id="40" presetID="10" presetClass="entr" presetSubtype="0" fill="hold" nodeType="clickEffect">
                                   <p:stCondLst>
                                     <p:cond delay="0"/>
                                   </p:stCondLst>
                                   <p:childTnLst>
                                     <p:set>
                                       <p:cBhvr>
-                                        <p:cTn id="38" dur="1" fill="hold">
+                                        <p:cTn id="41" dur="1" fill="hold">
                                           <p:stCondLst>
                                             <p:cond delay="0"/>
                                           </p:stCondLst>
@@ -9273,7 +9306,7 @@
                                     </p:set>
                                     <p:animEffect transition="in" filter="fade">
                                       <p:cBhvr>
-                                        <p:cTn id="39" dur="500"/>
+                                        <p:cTn id="42" dur="500"/>
                                         <p:tgtEl>
                                           <p:spTgt spid="5">
                                             <p:txEl>
@@ -9287,14 +9320,14 @@
                                 </p:cTn>
                               </p:par>
                               <p:par>
-                                <p:cTn id="40" presetID="10" presetClass="entr" presetSubtype="0" fill="hold" nodeType="withEffect">
+                                <p:cTn id="43" presetID="10" presetClass="entr" presetSubtype="0" fill="hold" nodeType="withEffect">
                                   <p:stCondLst>
                                     <p:cond delay="0"/>
                                   </p:stCondLst>
                                   <p:childTnLst>
                                     <p:set>
                                       <p:cBhvr>
-                                        <p:cTn id="41" dur="1" fill="hold">
+                                        <p:cTn id="44" dur="1" fill="hold">
                                           <p:stCondLst>
                                             <p:cond delay="0"/>
                                           </p:stCondLst>
@@ -9312,7 +9345,7 @@
                                     </p:set>
                                     <p:animEffect transition="in" filter="fade">
                                       <p:cBhvr>
-                                        <p:cTn id="42" dur="500"/>
+                                        <p:cTn id="45" dur="500"/>
                                         <p:tgtEl>
                                           <p:spTgt spid="15"/>
                                         </p:tgtEl>
@@ -9322,14 +9355,14 @@
                                 </p:cTn>
                               </p:par>
                               <p:par>
-                                <p:cTn id="43" presetID="10" presetClass="exit" presetSubtype="0" fill="hold" nodeType="withEffect">
+                                <p:cTn id="46" presetID="10" presetClass="exit" presetSubtype="0" fill="hold" nodeType="withEffect">
                                   <p:stCondLst>
                                     <p:cond delay="0"/>
                                   </p:stCondLst>
                                   <p:childTnLst>
                                     <p:animEffect transition="out" filter="fade">
                                       <p:cBhvr>
-                                        <p:cTn id="44" dur="500"/>
+                                        <p:cTn id="47" dur="500"/>
                                         <p:tgtEl>
                                           <p:spTgt spid="12"/>
                                         </p:tgtEl>
@@ -9337,7 +9370,7 @@
                                     </p:animEffect>
                                     <p:set>
                                       <p:cBhvr>
-                                        <p:cTn id="45" dur="1" fill="hold">
+                                        <p:cTn id="48" dur="1" fill="hold">
                                           <p:stCondLst>
                                             <p:cond delay="499"/>
                                           </p:stCondLst>
@@ -12032,15 +12065,24 @@
             <p:ph type="title"/>
           </p:nvPr>
         </p:nvSpPr>
-        <p:spPr/>
+        <p:spPr>
+          <a:xfrm>
+            <a:off x="419299" y="243972"/>
+            <a:ext cx="8305401" cy="923330"/>
+          </a:xfrm>
+        </p:spPr>
         <p:txBody>
           <a:bodyPr/>
           <a:lstStyle/>
           <a:p>
             <a:r>
               <a:rPr lang="en-IN" dirty="0"/>
-              <a:t>Dynamic Binaural Synthesis via Headphones</a:t>
+              <a:t>AIM</a:t>
             </a:r>
+            <a:br>
+              <a:rPr lang="en-IN" dirty="0"/>
+            </a:br>
+            <a:endParaRPr lang="en-IN" dirty="0"/>
           </a:p>
         </p:txBody>
       </p:sp>
@@ -12069,626 +12111,6 @@
               <a:rPr lang="de-DE" smtClean="0"/>
               <a:pPr/>
               <a:t>4</a:t>
-            </a:fld>
-            <a:endParaRPr lang="de-DE" dirty="0"/>
-          </a:p>
-        </p:txBody>
-      </p:sp>
-      <p:sp>
-        <p:nvSpPr>
-          <p:cNvPr id="5" name="Content Placeholder 4">
-            <a:extLst>
-              <a:ext uri="{FF2B5EF4-FFF2-40B4-BE49-F238E27FC236}">
-                <a16:creationId xmlns:a16="http://schemas.microsoft.com/office/drawing/2014/main" id="{680D64F1-BE32-4461-A898-55A57A188A1F}"/>
-              </a:ext>
-            </a:extLst>
-          </p:cNvPr>
-          <p:cNvSpPr>
-            <a:spLocks noGrp="1"/>
-          </p:cNvSpPr>
-          <p:nvPr>
-            <p:ph sz="quarter" idx="12"/>
-          </p:nvPr>
-        </p:nvSpPr>
-        <p:spPr>
-          <a:xfrm>
-            <a:off x="419297" y="974725"/>
-            <a:ext cx="8305401" cy="3352800"/>
-          </a:xfrm>
-        </p:spPr>
-        <p:txBody>
-          <a:bodyPr/>
-          <a:lstStyle/>
-          <a:p>
-            <a:r>
-              <a:rPr lang="en-US" dirty="0"/>
-              <a:t>Create virtual 5-channel 3D sound field for headphones</a:t>
-            </a:r>
-          </a:p>
-          <a:p>
-            <a:endParaRPr lang="en-US" dirty="0"/>
-          </a:p>
-          <a:p>
-            <a:r>
-              <a:rPr lang="en-US" dirty="0"/>
-              <a:t>HRTF-based Binaural Synthesis : KEMAR data set from Aachen</a:t>
-            </a:r>
-          </a:p>
-          <a:p>
-            <a:endParaRPr lang="en-US" dirty="0"/>
-          </a:p>
-          <a:p>
-            <a:r>
-              <a:rPr lang="en-US" dirty="0"/>
-              <a:t>Synthesized BRIRs using SDM</a:t>
-            </a:r>
-          </a:p>
-          <a:p>
-            <a:pPr lvl="2"/>
-            <a:r>
-              <a:rPr lang="en-US" dirty="0"/>
-              <a:t>Accurate capture of sound field in the room</a:t>
-            </a:r>
-          </a:p>
-          <a:p>
-            <a:pPr lvl="2"/>
-            <a:r>
-              <a:rPr lang="en-US" dirty="0"/>
-              <a:t>Realistic reproduction of acoustic characteristics </a:t>
-            </a:r>
-          </a:p>
-          <a:p>
-            <a:pPr lvl="2"/>
-            <a:r>
-              <a:rPr lang="en-US" dirty="0"/>
-              <a:t>Precise sound localization cues for listener</a:t>
-            </a:r>
-          </a:p>
-          <a:p>
-            <a:pPr lvl="1"/>
-            <a:endParaRPr lang="en-US" dirty="0"/>
-          </a:p>
-          <a:p>
-            <a:pPr lvl="1"/>
-            <a:r>
-              <a:rPr lang="en-US" sz="1800" dirty="0"/>
-              <a:t>Saved SDM Rendered RIRs in .mat files, variable for each channel</a:t>
-            </a:r>
-          </a:p>
-          <a:p>
-            <a:pPr marL="0" indent="0">
-              <a:buNone/>
-            </a:pPr>
-            <a:endParaRPr lang="en-US" dirty="0"/>
-          </a:p>
-          <a:p>
-            <a:endParaRPr lang="en-US" dirty="0"/>
-          </a:p>
-          <a:p>
-            <a:endParaRPr lang="de-DE" dirty="0"/>
-          </a:p>
-        </p:txBody>
-      </p:sp>
-      <p:pic>
-        <p:nvPicPr>
-          <p:cNvPr id="6" name="Picture 5" descr="A diagram of a binaural synthesis&#10;&#10;Description automatically generated with low confidence">
-            <a:extLst>
-              <a:ext uri="{FF2B5EF4-FFF2-40B4-BE49-F238E27FC236}">
-                <a16:creationId xmlns:a16="http://schemas.microsoft.com/office/drawing/2014/main" id="{E0D7C82C-BF51-69F3-2D23-93AB9FD926C9}"/>
-              </a:ext>
-            </a:extLst>
-          </p:cNvPr>
-          <p:cNvPicPr>
-            <a:picLocks noChangeAspect="1"/>
-          </p:cNvPicPr>
-          <p:nvPr/>
-        </p:nvPicPr>
-        <p:blipFill>
-          <a:blip r:embed="rId3" cstate="print">
-            <a:extLst>
-              <a:ext uri="{28A0092B-C50C-407E-A947-70E740481C1C}">
-                <a14:useLocalDpi xmlns:a14="http://schemas.microsoft.com/office/drawing/2010/main" val="0"/>
-              </a:ext>
-            </a:extLst>
-          </a:blip>
-          <a:stretch>
-            <a:fillRect/>
-          </a:stretch>
-        </p:blipFill>
-        <p:spPr>
-          <a:xfrm>
-            <a:off x="5598100" y="1855787"/>
-            <a:ext cx="3110783" cy="1438275"/>
-          </a:xfrm>
-          <a:prstGeom prst="rect">
-            <a:avLst/>
-          </a:prstGeom>
-        </p:spPr>
-      </p:pic>
-    </p:spTree>
-    <p:extLst>
-      <p:ext uri="{BB962C8B-B14F-4D97-AF65-F5344CB8AC3E}">
-        <p14:creationId xmlns:p14="http://schemas.microsoft.com/office/powerpoint/2010/main" val="3509869162"/>
-      </p:ext>
-    </p:extLst>
-  </p:cSld>
-  <p:clrMapOvr>
-    <a:masterClrMapping/>
-  </p:clrMapOvr>
-  <mc:AlternateContent xmlns:mc="http://schemas.openxmlformats.org/markup-compatibility/2006" xmlns:p14="http://schemas.microsoft.com/office/powerpoint/2010/main">
-    <mc:Choice Requires="p14">
-      <p:transition spd="med" p14:dur="700">
-        <p:fade/>
-      </p:transition>
-    </mc:Choice>
-    <mc:Fallback xmlns="">
-      <p:transition spd="med">
-        <p:fade/>
-      </p:transition>
-    </mc:Fallback>
-  </mc:AlternateContent>
-  <p:timing>
-    <p:tnLst>
-      <p:par>
-        <p:cTn id="1" dur="indefinite" restart="never" nodeType="tmRoot">
-          <p:childTnLst>
-            <p:seq concurrent="1" nextAc="seek">
-              <p:cTn id="2" dur="indefinite" nodeType="mainSeq">
-                <p:childTnLst>
-                  <p:par>
-                    <p:cTn id="3" fill="hold">
-                      <p:stCondLst>
-                        <p:cond delay="indefinite"/>
-                      </p:stCondLst>
-                      <p:childTnLst>
-                        <p:par>
-                          <p:cTn id="4" fill="hold">
-                            <p:stCondLst>
-                              <p:cond delay="0"/>
-                            </p:stCondLst>
-                            <p:childTnLst>
-                              <p:par>
-                                <p:cTn id="5" presetID="10" presetClass="entr" presetSubtype="0" fill="hold" grpId="0" nodeType="clickEffect">
-                                  <p:stCondLst>
-                                    <p:cond delay="0"/>
-                                  </p:stCondLst>
-                                  <p:childTnLst>
-                                    <p:set>
-                                      <p:cBhvr>
-                                        <p:cTn id="6" dur="1" fill="hold">
-                                          <p:stCondLst>
-                                            <p:cond delay="0"/>
-                                          </p:stCondLst>
-                                        </p:cTn>
-                                        <p:tgtEl>
-                                          <p:spTgt spid="5">
-                                            <p:txEl>
-                                              <p:pRg st="2" end="2"/>
-                                            </p:txEl>
-                                          </p:spTgt>
-                                        </p:tgtEl>
-                                        <p:attrNameLst>
-                                          <p:attrName>style.visibility</p:attrName>
-                                        </p:attrNameLst>
-                                      </p:cBhvr>
-                                      <p:to>
-                                        <p:strVal val="visible"/>
-                                      </p:to>
-                                    </p:set>
-                                    <p:animEffect transition="in" filter="fade">
-                                      <p:cBhvr>
-                                        <p:cTn id="7" dur="500"/>
-                                        <p:tgtEl>
-                                          <p:spTgt spid="5">
-                                            <p:txEl>
-                                              <p:pRg st="2" end="2"/>
-                                            </p:txEl>
-                                          </p:spTgt>
-                                        </p:tgtEl>
-                                      </p:cBhvr>
-                                    </p:animEffect>
-                                  </p:childTnLst>
-                                </p:cTn>
-                              </p:par>
-                            </p:childTnLst>
-                          </p:cTn>
-                        </p:par>
-                      </p:childTnLst>
-                    </p:cTn>
-                  </p:par>
-                  <p:par>
-                    <p:cTn id="8" fill="hold">
-                      <p:stCondLst>
-                        <p:cond delay="indefinite"/>
-                      </p:stCondLst>
-                      <p:childTnLst>
-                        <p:par>
-                          <p:cTn id="9" fill="hold">
-                            <p:stCondLst>
-                              <p:cond delay="0"/>
-                            </p:stCondLst>
-                            <p:childTnLst>
-                              <p:par>
-                                <p:cTn id="10" presetID="10" presetClass="entr" presetSubtype="0" fill="hold" grpId="0" nodeType="clickEffect">
-                                  <p:stCondLst>
-                                    <p:cond delay="0"/>
-                                  </p:stCondLst>
-                                  <p:childTnLst>
-                                    <p:set>
-                                      <p:cBhvr>
-                                        <p:cTn id="11" dur="1" fill="hold">
-                                          <p:stCondLst>
-                                            <p:cond delay="0"/>
-                                          </p:stCondLst>
-                                        </p:cTn>
-                                        <p:tgtEl>
-                                          <p:spTgt spid="5">
-                                            <p:txEl>
-                                              <p:pRg st="4" end="4"/>
-                                            </p:txEl>
-                                          </p:spTgt>
-                                        </p:tgtEl>
-                                        <p:attrNameLst>
-                                          <p:attrName>style.visibility</p:attrName>
-                                        </p:attrNameLst>
-                                      </p:cBhvr>
-                                      <p:to>
-                                        <p:strVal val="visible"/>
-                                      </p:to>
-                                    </p:set>
-                                    <p:animEffect transition="in" filter="fade">
-                                      <p:cBhvr>
-                                        <p:cTn id="12" dur="500"/>
-                                        <p:tgtEl>
-                                          <p:spTgt spid="5">
-                                            <p:txEl>
-                                              <p:pRg st="4" end="4"/>
-                                            </p:txEl>
-                                          </p:spTgt>
-                                        </p:tgtEl>
-                                      </p:cBhvr>
-                                    </p:animEffect>
-                                  </p:childTnLst>
-                                </p:cTn>
-                              </p:par>
-                              <p:par>
-                                <p:cTn id="13" presetID="10" presetClass="entr" presetSubtype="0" fill="hold" grpId="0" nodeType="withEffect">
-                                  <p:stCondLst>
-                                    <p:cond delay="0"/>
-                                  </p:stCondLst>
-                                  <p:childTnLst>
-                                    <p:set>
-                                      <p:cBhvr>
-                                        <p:cTn id="14" dur="1" fill="hold">
-                                          <p:stCondLst>
-                                            <p:cond delay="0"/>
-                                          </p:stCondLst>
-                                        </p:cTn>
-                                        <p:tgtEl>
-                                          <p:spTgt spid="5">
-                                            <p:txEl>
-                                              <p:pRg st="5" end="5"/>
-                                            </p:txEl>
-                                          </p:spTgt>
-                                        </p:tgtEl>
-                                        <p:attrNameLst>
-                                          <p:attrName>style.visibility</p:attrName>
-                                        </p:attrNameLst>
-                                      </p:cBhvr>
-                                      <p:to>
-                                        <p:strVal val="visible"/>
-                                      </p:to>
-                                    </p:set>
-                                    <p:animEffect transition="in" filter="fade">
-                                      <p:cBhvr>
-                                        <p:cTn id="15" dur="500"/>
-                                        <p:tgtEl>
-                                          <p:spTgt spid="5">
-                                            <p:txEl>
-                                              <p:pRg st="5" end="5"/>
-                                            </p:txEl>
-                                          </p:spTgt>
-                                        </p:tgtEl>
-                                      </p:cBhvr>
-                                    </p:animEffect>
-                                  </p:childTnLst>
-                                </p:cTn>
-                              </p:par>
-                              <p:par>
-                                <p:cTn id="16" presetID="10" presetClass="entr" presetSubtype="0" fill="hold" grpId="0" nodeType="withEffect">
-                                  <p:stCondLst>
-                                    <p:cond delay="0"/>
-                                  </p:stCondLst>
-                                  <p:childTnLst>
-                                    <p:set>
-                                      <p:cBhvr>
-                                        <p:cTn id="17" dur="1" fill="hold">
-                                          <p:stCondLst>
-                                            <p:cond delay="0"/>
-                                          </p:stCondLst>
-                                        </p:cTn>
-                                        <p:tgtEl>
-                                          <p:spTgt spid="5">
-                                            <p:txEl>
-                                              <p:pRg st="6" end="6"/>
-                                            </p:txEl>
-                                          </p:spTgt>
-                                        </p:tgtEl>
-                                        <p:attrNameLst>
-                                          <p:attrName>style.visibility</p:attrName>
-                                        </p:attrNameLst>
-                                      </p:cBhvr>
-                                      <p:to>
-                                        <p:strVal val="visible"/>
-                                      </p:to>
-                                    </p:set>
-                                    <p:animEffect transition="in" filter="fade">
-                                      <p:cBhvr>
-                                        <p:cTn id="18" dur="500"/>
-                                        <p:tgtEl>
-                                          <p:spTgt spid="5">
-                                            <p:txEl>
-                                              <p:pRg st="6" end="6"/>
-                                            </p:txEl>
-                                          </p:spTgt>
-                                        </p:tgtEl>
-                                      </p:cBhvr>
-                                    </p:animEffect>
-                                  </p:childTnLst>
-                                </p:cTn>
-                              </p:par>
-                              <p:par>
-                                <p:cTn id="19" presetID="10" presetClass="entr" presetSubtype="0" fill="hold" grpId="0" nodeType="withEffect">
-                                  <p:stCondLst>
-                                    <p:cond delay="0"/>
-                                  </p:stCondLst>
-                                  <p:childTnLst>
-                                    <p:set>
-                                      <p:cBhvr>
-                                        <p:cTn id="20" dur="1" fill="hold">
-                                          <p:stCondLst>
-                                            <p:cond delay="0"/>
-                                          </p:stCondLst>
-                                        </p:cTn>
-                                        <p:tgtEl>
-                                          <p:spTgt spid="5">
-                                            <p:txEl>
-                                              <p:pRg st="7" end="7"/>
-                                            </p:txEl>
-                                          </p:spTgt>
-                                        </p:tgtEl>
-                                        <p:attrNameLst>
-                                          <p:attrName>style.visibility</p:attrName>
-                                        </p:attrNameLst>
-                                      </p:cBhvr>
-                                      <p:to>
-                                        <p:strVal val="visible"/>
-                                      </p:to>
-                                    </p:set>
-                                    <p:animEffect transition="in" filter="fade">
-                                      <p:cBhvr>
-                                        <p:cTn id="21" dur="500"/>
-                                        <p:tgtEl>
-                                          <p:spTgt spid="5">
-                                            <p:txEl>
-                                              <p:pRg st="7" end="7"/>
-                                            </p:txEl>
-                                          </p:spTgt>
-                                        </p:tgtEl>
-                                      </p:cBhvr>
-                                    </p:animEffect>
-                                  </p:childTnLst>
-                                </p:cTn>
-                              </p:par>
-                            </p:childTnLst>
-                          </p:cTn>
-                        </p:par>
-                      </p:childTnLst>
-                    </p:cTn>
-                  </p:par>
-                  <p:par>
-                    <p:cTn id="22" fill="hold">
-                      <p:stCondLst>
-                        <p:cond delay="indefinite"/>
-                      </p:stCondLst>
-                      <p:childTnLst>
-                        <p:par>
-                          <p:cTn id="23" fill="hold">
-                            <p:stCondLst>
-                              <p:cond delay="0"/>
-                            </p:stCondLst>
-                            <p:childTnLst>
-                              <p:par>
-                                <p:cTn id="24" presetID="10" presetClass="entr" presetSubtype="0" fill="hold" grpId="0" nodeType="clickEffect">
-                                  <p:stCondLst>
-                                    <p:cond delay="0"/>
-                                  </p:stCondLst>
-                                  <p:childTnLst>
-                                    <p:set>
-                                      <p:cBhvr>
-                                        <p:cTn id="25" dur="1" fill="hold">
-                                          <p:stCondLst>
-                                            <p:cond delay="0"/>
-                                          </p:stCondLst>
-                                        </p:cTn>
-                                        <p:tgtEl>
-                                          <p:spTgt spid="5">
-                                            <p:txEl>
-                                              <p:pRg st="9" end="9"/>
-                                            </p:txEl>
-                                          </p:spTgt>
-                                        </p:tgtEl>
-                                        <p:attrNameLst>
-                                          <p:attrName>style.visibility</p:attrName>
-                                        </p:attrNameLst>
-                                      </p:cBhvr>
-                                      <p:to>
-                                        <p:strVal val="visible"/>
-                                      </p:to>
-                                    </p:set>
-                                    <p:animEffect transition="in" filter="fade">
-                                      <p:cBhvr>
-                                        <p:cTn id="26" dur="500"/>
-                                        <p:tgtEl>
-                                          <p:spTgt spid="5">
-                                            <p:txEl>
-                                              <p:pRg st="9" end="9"/>
-                                            </p:txEl>
-                                          </p:spTgt>
-                                        </p:tgtEl>
-                                      </p:cBhvr>
-                                    </p:animEffect>
-                                  </p:childTnLst>
-                                </p:cTn>
-                              </p:par>
-                              <p:par>
-                                <p:cTn id="27" presetID="10" presetClass="entr" presetSubtype="0" fill="hold" nodeType="withEffect">
-                                  <p:stCondLst>
-                                    <p:cond delay="0"/>
-                                  </p:stCondLst>
-                                  <p:childTnLst>
-                                    <p:set>
-                                      <p:cBhvr>
-                                        <p:cTn id="28" dur="1" fill="hold">
-                                          <p:stCondLst>
-                                            <p:cond delay="0"/>
-                                          </p:stCondLst>
-                                        </p:cTn>
-                                        <p:tgtEl>
-                                          <p:spTgt spid="6"/>
-                                        </p:tgtEl>
-                                        <p:attrNameLst>
-                                          <p:attrName>style.visibility</p:attrName>
-                                        </p:attrNameLst>
-                                      </p:cBhvr>
-                                      <p:to>
-                                        <p:strVal val="visible"/>
-                                      </p:to>
-                                    </p:set>
-                                    <p:animEffect transition="in" filter="fade">
-                                      <p:cBhvr>
-                                        <p:cTn id="29" dur="500"/>
-                                        <p:tgtEl>
-                                          <p:spTgt spid="6"/>
-                                        </p:tgtEl>
-                                      </p:cBhvr>
-                                    </p:animEffect>
-                                  </p:childTnLst>
-                                </p:cTn>
-                              </p:par>
-                            </p:childTnLst>
-                          </p:cTn>
-                        </p:par>
-                      </p:childTnLst>
-                    </p:cTn>
-                  </p:par>
-                </p:childTnLst>
-              </p:cTn>
-              <p:prevCondLst>
-                <p:cond evt="onPrev" delay="0">
-                  <p:tgtEl>
-                    <p:sldTgt/>
-                  </p:tgtEl>
-                </p:cond>
-              </p:prevCondLst>
-              <p:nextCondLst>
-                <p:cond evt="onNext" delay="0">
-                  <p:tgtEl>
-                    <p:sldTgt/>
-                  </p:tgtEl>
-                </p:cond>
-              </p:nextCondLst>
-            </p:seq>
-          </p:childTnLst>
-        </p:cTn>
-      </p:par>
-    </p:tnLst>
-    <p:bldLst>
-      <p:bldP spid="5" grpId="0" uiExpand="1" build="p"/>
-    </p:bldLst>
-  </p:timing>
-</p:sld>
-</file>
-
-<file path=ppt/slides/slide5.xml><?xml version="1.0" encoding="utf-8"?>
-<p:sld xmlns:a="http://schemas.openxmlformats.org/drawingml/2006/main" xmlns:r="http://schemas.openxmlformats.org/officeDocument/2006/relationships" xmlns:p="http://schemas.openxmlformats.org/presentationml/2006/main">
-  <p:cSld>
-    <p:spTree>
-      <p:nvGrpSpPr>
-        <p:cNvPr id="1" name=""/>
-        <p:cNvGrpSpPr/>
-        <p:nvPr/>
-      </p:nvGrpSpPr>
-      <p:grpSpPr>
-        <a:xfrm>
-          <a:off x="0" y="0"/>
-          <a:ext cx="0" cy="0"/>
-          <a:chOff x="0" y="0"/>
-          <a:chExt cx="0" cy="0"/>
-        </a:xfrm>
-      </p:grpSpPr>
-      <p:sp>
-        <p:nvSpPr>
-          <p:cNvPr id="2" name="Title 1">
-            <a:extLst>
-              <a:ext uri="{FF2B5EF4-FFF2-40B4-BE49-F238E27FC236}">
-                <a16:creationId xmlns:a16="http://schemas.microsoft.com/office/drawing/2014/main" id="{03710A99-89EF-4E51-A209-CE990D1E092C}"/>
-              </a:ext>
-            </a:extLst>
-          </p:cNvPr>
-          <p:cNvSpPr>
-            <a:spLocks noGrp="1"/>
-          </p:cNvSpPr>
-          <p:nvPr>
-            <p:ph type="title"/>
-          </p:nvPr>
-        </p:nvSpPr>
-        <p:spPr>
-          <a:xfrm>
-            <a:off x="419299" y="243972"/>
-            <a:ext cx="8305401" cy="923330"/>
-          </a:xfrm>
-        </p:spPr>
-        <p:txBody>
-          <a:bodyPr/>
-          <a:lstStyle/>
-          <a:p>
-            <a:r>
-              <a:rPr lang="en-IN" dirty="0"/>
-              <a:t>AIM</a:t>
-            </a:r>
-            <a:br>
-              <a:rPr lang="en-IN" dirty="0"/>
-            </a:br>
-            <a:endParaRPr lang="en-IN" dirty="0"/>
-          </a:p>
-        </p:txBody>
-      </p:sp>
-      <p:sp>
-        <p:nvSpPr>
-          <p:cNvPr id="4" name="Slide Number Placeholder 3">
-            <a:extLst>
-              <a:ext uri="{FF2B5EF4-FFF2-40B4-BE49-F238E27FC236}">
-                <a16:creationId xmlns:a16="http://schemas.microsoft.com/office/drawing/2014/main" id="{9D7C8C9A-0542-4130-98A2-67A760523A50}"/>
-              </a:ext>
-            </a:extLst>
-          </p:cNvPr>
-          <p:cNvSpPr>
-            <a:spLocks noGrp="1"/>
-          </p:cNvSpPr>
-          <p:nvPr>
-            <p:ph type="sldNum" sz="quarter" idx="11"/>
-          </p:nvPr>
-        </p:nvSpPr>
-        <p:spPr/>
-        <p:txBody>
-          <a:bodyPr/>
-          <a:lstStyle/>
-          <a:p>
-            <a:fld id="{B6F15528-21DE-4FAA-801E-634DDDAF4B2B}" type="slidenum">
-              <a:rPr lang="de-DE" smtClean="0"/>
-              <a:pPr/>
-              <a:t>5</a:t>
             </a:fld>
             <a:endParaRPr lang="de-DE" dirty="0"/>
           </a:p>
@@ -12909,7 +12331,7 @@
         </p:blipFill>
         <p:spPr>
           <a:xfrm>
-            <a:off x="5257800" y="1319132"/>
+            <a:off x="5233758" y="1362905"/>
             <a:ext cx="3562934" cy="1941504"/>
           </a:xfrm>
           <a:prstGeom prst="rect">
@@ -12963,6 +12385,123 @@
               <a:latin typeface="Arial"/>
               <a:cs typeface="Arial"/>
             </a:endParaRPr>
+          </a:p>
+        </p:txBody>
+      </p:sp>
+      <p:sp>
+        <p:nvSpPr>
+          <p:cNvPr id="3" name="Rectangle 2">
+            <a:extLst>
+              <a:ext uri="{FF2B5EF4-FFF2-40B4-BE49-F238E27FC236}">
+                <a16:creationId xmlns:a16="http://schemas.microsoft.com/office/drawing/2014/main" id="{F0206710-7E45-FEDA-AD38-F4BC236DA536}"/>
+              </a:ext>
+            </a:extLst>
+          </p:cNvPr>
+          <p:cNvSpPr/>
+          <p:nvPr/>
+        </p:nvSpPr>
+        <p:spPr>
+          <a:xfrm>
+            <a:off x="7142897" y="1383849"/>
+            <a:ext cx="1754037" cy="1584259"/>
+          </a:xfrm>
+          <a:prstGeom prst="rect">
+            <a:avLst/>
+          </a:prstGeom>
+          <a:solidFill>
+            <a:schemeClr val="bg1"/>
+          </a:solidFill>
+          <a:ln>
+            <a:solidFill>
+              <a:schemeClr val="bg1"/>
+            </a:solidFill>
+          </a:ln>
+        </p:spPr>
+        <p:style>
+          <a:lnRef idx="2">
+            <a:schemeClr val="accent1">
+              <a:shade val="15000"/>
+            </a:schemeClr>
+          </a:lnRef>
+          <a:fillRef idx="1">
+            <a:schemeClr val="accent1"/>
+          </a:fillRef>
+          <a:effectRef idx="0">
+            <a:schemeClr val="accent1"/>
+          </a:effectRef>
+          <a:fontRef idx="minor">
+            <a:schemeClr val="lt1"/>
+          </a:fontRef>
+        </p:style>
+        <p:txBody>
+          <a:bodyPr rtlCol="0" anchor="ctr"/>
+          <a:lstStyle/>
+          <a:p>
+            <a:pPr algn="ctr"/>
+            <a:endParaRPr lang="en-DE">
+              <a:ln>
+                <a:solidFill>
+                  <a:schemeClr val="bg1"/>
+                </a:solidFill>
+              </a:ln>
+              <a:solidFill>
+                <a:schemeClr val="bg1"/>
+              </a:solidFill>
+            </a:endParaRPr>
+          </a:p>
+        </p:txBody>
+      </p:sp>
+      <p:sp>
+        <p:nvSpPr>
+          <p:cNvPr id="9" name="Rectangle 8">
+            <a:extLst>
+              <a:ext uri="{FF2B5EF4-FFF2-40B4-BE49-F238E27FC236}">
+                <a16:creationId xmlns:a16="http://schemas.microsoft.com/office/drawing/2014/main" id="{16A322BE-4356-3F6F-15B7-872FA9710C6A}"/>
+              </a:ext>
+            </a:extLst>
+          </p:cNvPr>
+          <p:cNvSpPr/>
+          <p:nvPr/>
+        </p:nvSpPr>
+        <p:spPr>
+          <a:xfrm>
+            <a:off x="7041996" y="1078494"/>
+            <a:ext cx="1905000" cy="2194968"/>
+          </a:xfrm>
+          <a:prstGeom prst="rect">
+            <a:avLst/>
+          </a:prstGeom>
+          <a:solidFill>
+            <a:schemeClr val="bg1"/>
+          </a:solidFill>
+          <a:ln>
+            <a:solidFill>
+              <a:schemeClr val="bg1"/>
+            </a:solidFill>
+          </a:ln>
+        </p:spPr>
+        <p:style>
+          <a:lnRef idx="2">
+            <a:schemeClr val="accent1">
+              <a:shade val="15000"/>
+            </a:schemeClr>
+          </a:lnRef>
+          <a:fillRef idx="1">
+            <a:schemeClr val="accent1"/>
+          </a:fillRef>
+          <a:effectRef idx="0">
+            <a:schemeClr val="accent1"/>
+          </a:effectRef>
+          <a:fontRef idx="minor">
+            <a:schemeClr val="lt1"/>
+          </a:fontRef>
+        </p:style>
+        <p:txBody>
+          <a:bodyPr rtlCol="0" anchor="ctr"/>
+          <a:lstStyle/>
+          <a:p>
+            <a:pPr algn="ctr"/>
+            <a:endParaRPr lang="en-DE" dirty="0"/>
           </a:p>
         </p:txBody>
       </p:sp>
@@ -13174,7 +12713,7 @@
                                 </p:cTn>
                               </p:par>
                               <p:par>
-                                <p:cTn id="18" presetID="10" presetClass="entr" presetSubtype="0" fill="hold" nodeType="withEffect">
+                                <p:cTn id="18" presetID="1" presetClass="entr" presetSubtype="0" fill="hold" grpId="1" nodeType="withEffect">
                                   <p:stCondLst>
                                     <p:cond delay="0"/>
                                   </p:stCondLst>
@@ -13187,6 +12726,33 @@
                                           </p:stCondLst>
                                         </p:cTn>
                                         <p:tgtEl>
+                                          <p:spTgt spid="3"/>
+                                        </p:tgtEl>
+                                        <p:attrNameLst>
+                                          <p:attrName>style.visibility</p:attrName>
+                                        </p:attrNameLst>
+                                      </p:cBhvr>
+                                      <p:to>
+                                        <p:strVal val="visible"/>
+                                      </p:to>
+                                    </p:set>
+                                  </p:childTnLst>
+                                </p:cTn>
+                              </p:par>
+                              <p:par>
+                                <p:cTn id="20" presetID="10" presetClass="entr" presetSubtype="0" fill="hold" nodeType="withEffect">
+                                  <p:stCondLst>
+                                    <p:cond delay="0"/>
+                                  </p:stCondLst>
+                                  <p:childTnLst>
+                                    <p:set>
+                                      <p:cBhvr>
+                                        <p:cTn id="21" dur="1" fill="hold">
+                                          <p:stCondLst>
+                                            <p:cond delay="0"/>
+                                          </p:stCondLst>
+                                        </p:cTn>
+                                        <p:tgtEl>
                                           <p:spTgt spid="6"/>
                                         </p:tgtEl>
                                         <p:attrNameLst>
@@ -13199,7 +12765,7 @@
                                     </p:set>
                                     <p:animEffect transition="in" filter="fade">
                                       <p:cBhvr>
-                                        <p:cTn id="20" dur="500"/>
+                                        <p:cTn id="22" dur="500"/>
                                         <p:tgtEl>
                                           <p:spTgt spid="6"/>
                                         </p:tgtEl>
@@ -13209,14 +12775,14 @@
                                 </p:cTn>
                               </p:par>
                               <p:par>
-                                <p:cTn id="21" presetID="10" presetClass="entr" presetSubtype="0" fill="hold" grpId="0" nodeType="withEffect">
+                                <p:cTn id="23" presetID="10" presetClass="entr" presetSubtype="0" fill="hold" grpId="0" nodeType="withEffect">
                                   <p:stCondLst>
                                     <p:cond delay="0"/>
                                   </p:stCondLst>
                                   <p:childTnLst>
                                     <p:set>
                                       <p:cBhvr>
-                                        <p:cTn id="22" dur="1" fill="hold">
+                                        <p:cTn id="24" dur="1" fill="hold">
                                           <p:stCondLst>
                                             <p:cond delay="0"/>
                                           </p:stCondLst>
@@ -13234,7 +12800,7 @@
                                     </p:set>
                                     <p:animEffect transition="in" filter="fade">
                                       <p:cBhvr>
-                                        <p:cTn id="23" dur="500"/>
+                                        <p:cTn id="25" dur="500"/>
                                         <p:tgtEl>
                                           <p:spTgt spid="7"/>
                                         </p:tgtEl>
@@ -13250,26 +12816,79 @@
                     </p:cTn>
                   </p:par>
                   <p:par>
-                    <p:cTn id="24" fill="hold">
+                    <p:cTn id="26" fill="hold">
                       <p:stCondLst>
                         <p:cond delay="indefinite"/>
                       </p:stCondLst>
                       <p:childTnLst>
                         <p:par>
-                          <p:cTn id="25" fill="hold">
+                          <p:cTn id="27" fill="hold">
                             <p:stCondLst>
                               <p:cond delay="0"/>
                             </p:stCondLst>
                             <p:childTnLst>
                               <p:par>
-                                <p:cTn id="26" presetID="10" presetClass="entr" presetSubtype="0" fill="hold" grpId="0" nodeType="clickEffect">
+                                <p:cTn id="28" presetID="10" presetClass="exit" presetSubtype="0" fill="hold" grpId="0" nodeType="clickEffect">
+                                  <p:stCondLst>
+                                    <p:cond delay="0"/>
+                                  </p:stCondLst>
+                                  <p:childTnLst>
+                                    <p:animEffect transition="out" filter="fade">
+                                      <p:cBhvr>
+                                        <p:cTn id="29" dur="500"/>
+                                        <p:tgtEl>
+                                          <p:spTgt spid="3"/>
+                                        </p:tgtEl>
+                                      </p:cBhvr>
+                                    </p:animEffect>
+                                    <p:set>
+                                      <p:cBhvr>
+                                        <p:cTn id="30" dur="1" fill="hold">
+                                          <p:stCondLst>
+                                            <p:cond delay="499"/>
+                                          </p:stCondLst>
+                                        </p:cTn>
+                                        <p:tgtEl>
+                                          <p:spTgt spid="3"/>
+                                        </p:tgtEl>
+                                        <p:attrNameLst>
+                                          <p:attrName>style.visibility</p:attrName>
+                                        </p:attrNameLst>
+                                      </p:cBhvr>
+                                      <p:to>
+                                        <p:strVal val="hidden"/>
+                                      </p:to>
+                                    </p:set>
+                                  </p:childTnLst>
+                                </p:cTn>
+                              </p:par>
+                            </p:childTnLst>
+                          </p:cTn>
+                        </p:par>
+                      </p:childTnLst>
+                    </p:cTn>
+                  </p:par>
+                  <p:par>
+                    <p:cTn id="31" fill="hold">
+                      <p:stCondLst>
+                        <p:cond delay="indefinite"/>
+                      </p:stCondLst>
+                      <p:childTnLst>
+                        <p:par>
+                          <p:cTn id="32" fill="hold">
+                            <p:stCondLst>
+                              <p:cond delay="0"/>
+                            </p:stCondLst>
+                            <p:childTnLst>
+                              <p:par>
+                                <p:cTn id="33" presetID="10" presetClass="entr" presetSubtype="0" fill="hold" grpId="0" nodeType="clickEffect">
                                   <p:stCondLst>
                                     <p:cond delay="0"/>
                                   </p:stCondLst>
                                   <p:childTnLst>
                                     <p:set>
                                       <p:cBhvr>
-                                        <p:cTn id="27" dur="1" fill="hold">
+                                        <p:cTn id="34" dur="1" fill="hold">
                                           <p:stCondLst>
                                             <p:cond delay="0"/>
                                           </p:stCondLst>
@@ -13291,7 +12910,7 @@
                                     </p:set>
                                     <p:animEffect transition="in" filter="fade">
                                       <p:cBhvr>
-                                        <p:cTn id="28" dur="500"/>
+                                        <p:cTn id="35" dur="500"/>
                                         <p:tgtEl>
                                           <p:spTgt spid="5">
                                             <p:txEl>
@@ -13305,14 +12924,41 @@
                                 </p:cTn>
                               </p:par>
                               <p:par>
-                                <p:cTn id="29" presetID="10" presetClass="exit" presetSubtype="0" fill="hold" nodeType="withEffect">
+                                <p:cTn id="36" presetID="1" presetClass="entr" presetSubtype="0" fill="hold" grpId="1" nodeType="withEffect">
+                                  <p:stCondLst>
+                                    <p:cond delay="0"/>
+                                  </p:stCondLst>
+                                  <p:childTnLst>
+                                    <p:set>
+                                      <p:cBhvr>
+                                        <p:cTn id="37" dur="1" fill="hold">
+                                          <p:stCondLst>
+                                            <p:cond delay="0"/>
+                                          </p:stCondLst>
+                                        </p:cTn>
+                                        <p:tgtEl>
+                                          <p:spTgt spid="9"/>
+                                        </p:tgtEl>
+                                        <p:attrNameLst>
+                                          <p:attrName>style.visibility</p:attrName>
+                                        </p:attrNameLst>
+                                      </p:cBhvr>
+                                      <p:to>
+                                        <p:strVal val="visible"/>
+                                      </p:to>
+                                    </p:set>
+                                  </p:childTnLst>
+                                </p:cTn>
+                              </p:par>
+                              <p:par>
+                                <p:cTn id="38" presetID="10" presetClass="exit" presetSubtype="0" fill="hold" nodeType="withEffect">
                                   <p:stCondLst>
                                     <p:cond delay="0"/>
                                   </p:stCondLst>
                                   <p:childTnLst>
                                     <p:animEffect transition="out" filter="fade">
                                       <p:cBhvr>
-                                        <p:cTn id="30" dur="500"/>
+                                        <p:cTn id="39" dur="500"/>
                                         <p:tgtEl>
                                           <p:spTgt spid="6"/>
                                         </p:tgtEl>
@@ -13320,7 +12966,7 @@
                                     </p:animEffect>
                                     <p:set>
                                       <p:cBhvr>
-                                        <p:cTn id="31" dur="1" fill="hold">
+                                        <p:cTn id="40" dur="1" fill="hold">
                                           <p:stCondLst>
                                             <p:cond delay="499"/>
                                           </p:stCondLst>
@@ -13340,14 +12986,14 @@
                                 </p:cTn>
                               </p:par>
                               <p:par>
-                                <p:cTn id="32" presetID="10" presetClass="exit" presetSubtype="0" fill="hold" grpId="1" nodeType="withEffect">
+                                <p:cTn id="41" presetID="10" presetClass="exit" presetSubtype="0" fill="hold" grpId="1" nodeType="withEffect">
                                   <p:stCondLst>
                                     <p:cond delay="0"/>
                                   </p:stCondLst>
                                   <p:childTnLst>
                                     <p:animEffect transition="out" filter="fade">
                                       <p:cBhvr>
-                                        <p:cTn id="33" dur="500"/>
+                                        <p:cTn id="42" dur="500"/>
                                         <p:tgtEl>
                                           <p:spTgt spid="7"/>
                                         </p:tgtEl>
@@ -13355,7 +13001,7 @@
                                     </p:animEffect>
                                     <p:set>
                                       <p:cBhvr>
-                                        <p:cTn id="34" dur="1" fill="hold">
+                                        <p:cTn id="43" dur="1" fill="hold">
                                           <p:stCondLst>
                                             <p:cond delay="499"/>
                                           </p:stCondLst>
@@ -13375,14 +13021,14 @@
                                 </p:cTn>
                               </p:par>
                               <p:par>
-                                <p:cTn id="35" presetID="10" presetClass="entr" presetSubtype="0" fill="hold" grpId="0" nodeType="withEffect">
+                                <p:cTn id="44" presetID="10" presetClass="entr" presetSubtype="0" fill="hold" grpId="0" nodeType="withEffect">
                                   <p:stCondLst>
                                     <p:cond delay="0"/>
                                   </p:stCondLst>
                                   <p:childTnLst>
                                     <p:set>
                                       <p:cBhvr>
-                                        <p:cTn id="36" dur="1" fill="hold">
+                                        <p:cTn id="45" dur="1" fill="hold">
                                           <p:stCondLst>
                                             <p:cond delay="0"/>
                                           </p:stCondLst>
@@ -13400,7 +13046,7 @@
                                     </p:set>
                                     <p:animEffect transition="in" filter="fade">
                                       <p:cBhvr>
-                                        <p:cTn id="37" dur="500"/>
+                                        <p:cTn id="46" dur="500"/>
                                         <p:tgtEl>
                                           <p:spTgt spid="12"/>
                                         </p:tgtEl>
@@ -13410,14 +13056,14 @@
                                 </p:cTn>
                               </p:par>
                               <p:par>
-                                <p:cTn id="38" presetID="10" presetClass="entr" presetSubtype="0" fill="hold" nodeType="withEffect">
+                                <p:cTn id="47" presetID="10" presetClass="entr" presetSubtype="0" fill="hold" nodeType="withEffect">
                                   <p:stCondLst>
                                     <p:cond delay="0"/>
                                   </p:stCondLst>
                                   <p:childTnLst>
                                     <p:set>
                                       <p:cBhvr>
-                                        <p:cTn id="39" dur="1" fill="hold">
+                                        <p:cTn id="48" dur="1" fill="hold">
                                           <p:stCondLst>
                                             <p:cond delay="0"/>
                                           </p:stCondLst>
@@ -13435,7 +13081,7 @@
                                     </p:set>
                                     <p:animEffect transition="in" filter="fade">
                                       <p:cBhvr>
-                                        <p:cTn id="40" dur="500"/>
+                                        <p:cTn id="49" dur="500"/>
                                         <p:tgtEl>
                                           <p:spTgt spid="11"/>
                                         </p:tgtEl>
@@ -13451,26 +13097,79 @@
                     </p:cTn>
                   </p:par>
                   <p:par>
-                    <p:cTn id="41" fill="hold">
+                    <p:cTn id="50" fill="hold">
                       <p:stCondLst>
                         <p:cond delay="indefinite"/>
                       </p:stCondLst>
                       <p:childTnLst>
                         <p:par>
-                          <p:cTn id="42" fill="hold">
+                          <p:cTn id="51" fill="hold">
                             <p:stCondLst>
                               <p:cond delay="0"/>
                             </p:stCondLst>
                             <p:childTnLst>
                               <p:par>
-                                <p:cTn id="43" presetID="10" presetClass="entr" presetSubtype="0" fill="hold" grpId="0" nodeType="clickEffect">
+                                <p:cTn id="52" presetID="10" presetClass="exit" presetSubtype="0" fill="hold" grpId="0" nodeType="clickEffect">
+                                  <p:stCondLst>
+                                    <p:cond delay="0"/>
+                                  </p:stCondLst>
+                                  <p:childTnLst>
+                                    <p:animEffect transition="out" filter="fade">
+                                      <p:cBhvr>
+                                        <p:cTn id="53" dur="500"/>
+                                        <p:tgtEl>
+                                          <p:spTgt spid="9"/>
+                                        </p:tgtEl>
+                                      </p:cBhvr>
+                                    </p:animEffect>
+                                    <p:set>
+                                      <p:cBhvr>
+                                        <p:cTn id="54" dur="1" fill="hold">
+                                          <p:stCondLst>
+                                            <p:cond delay="499"/>
+                                          </p:stCondLst>
+                                        </p:cTn>
+                                        <p:tgtEl>
+                                          <p:spTgt spid="9"/>
+                                        </p:tgtEl>
+                                        <p:attrNameLst>
+                                          <p:attrName>style.visibility</p:attrName>
+                                        </p:attrNameLst>
+                                      </p:cBhvr>
+                                      <p:to>
+                                        <p:strVal val="hidden"/>
+                                      </p:to>
+                                    </p:set>
+                                  </p:childTnLst>
+                                </p:cTn>
+                              </p:par>
+                            </p:childTnLst>
+                          </p:cTn>
+                        </p:par>
+                      </p:childTnLst>
+                    </p:cTn>
+                  </p:par>
+                  <p:par>
+                    <p:cTn id="55" fill="hold">
+                      <p:stCondLst>
+                        <p:cond delay="indefinite"/>
+                      </p:stCondLst>
+                      <p:childTnLst>
+                        <p:par>
+                          <p:cTn id="56" fill="hold">
+                            <p:stCondLst>
+                              <p:cond delay="0"/>
+                            </p:stCondLst>
+                            <p:childTnLst>
+                              <p:par>
+                                <p:cTn id="57" presetID="10" presetClass="entr" presetSubtype="0" fill="hold" grpId="0" nodeType="clickEffect">
                                   <p:stCondLst>
                                     <p:cond delay="0"/>
                                   </p:stCondLst>
                                   <p:childTnLst>
                                     <p:set>
                                       <p:cBhvr>
-                                        <p:cTn id="44" dur="1" fill="hold">
+                                        <p:cTn id="58" dur="1" fill="hold">
                                           <p:stCondLst>
                                             <p:cond delay="0"/>
                                           </p:stCondLst>
@@ -13492,7 +13191,7 @@
                                     </p:set>
                                     <p:animEffect transition="in" filter="fade">
                                       <p:cBhvr>
-                                        <p:cTn id="45" dur="500"/>
+                                        <p:cTn id="59" dur="500"/>
                                         <p:tgtEl>
                                           <p:spTgt spid="5">
                                             <p:txEl>
@@ -13537,6 +13236,780 @@
       <p:bldP spid="7" grpId="0"/>
       <p:bldP spid="7" grpId="1"/>
       <p:bldP spid="12" grpId="0"/>
+      <p:bldP spid="3" grpId="0" animBg="1"/>
+      <p:bldP spid="3" grpId="1" animBg="1"/>
+      <p:bldP spid="9" grpId="0" animBg="1"/>
+      <p:bldP spid="9" grpId="1" animBg="1"/>
+    </p:bldLst>
+  </p:timing>
+</p:sld>
+</file>
+
+<file path=ppt/slides/slide5.xml><?xml version="1.0" encoding="utf-8"?>
+<p:sld xmlns:a="http://schemas.openxmlformats.org/drawingml/2006/main" xmlns:r="http://schemas.openxmlformats.org/officeDocument/2006/relationships" xmlns:p="http://schemas.openxmlformats.org/presentationml/2006/main">
+  <p:cSld>
+    <p:spTree>
+      <p:nvGrpSpPr>
+        <p:cNvPr id="1" name=""/>
+        <p:cNvGrpSpPr/>
+        <p:nvPr/>
+      </p:nvGrpSpPr>
+      <p:grpSpPr>
+        <a:xfrm>
+          <a:off x="0" y="0"/>
+          <a:ext cx="0" cy="0"/>
+          <a:chOff x="0" y="0"/>
+          <a:chExt cx="0" cy="0"/>
+        </a:xfrm>
+      </p:grpSpPr>
+      <p:sp>
+        <p:nvSpPr>
+          <p:cNvPr id="2" name="Title 1">
+            <a:extLst>
+              <a:ext uri="{FF2B5EF4-FFF2-40B4-BE49-F238E27FC236}">
+                <a16:creationId xmlns:a16="http://schemas.microsoft.com/office/drawing/2014/main" id="{03710A99-89EF-4E51-A209-CE990D1E092C}"/>
+              </a:ext>
+            </a:extLst>
+          </p:cNvPr>
+          <p:cNvSpPr>
+            <a:spLocks noGrp="1"/>
+          </p:cNvSpPr>
+          <p:nvPr>
+            <p:ph type="title"/>
+          </p:nvPr>
+        </p:nvSpPr>
+        <p:spPr/>
+        <p:txBody>
+          <a:bodyPr/>
+          <a:lstStyle/>
+          <a:p>
+            <a:r>
+              <a:rPr lang="en-IN" dirty="0"/>
+              <a:t>Dynamic Binaural Synthesis via Headphones</a:t>
+            </a:r>
+          </a:p>
+        </p:txBody>
+      </p:sp>
+      <p:sp>
+        <p:nvSpPr>
+          <p:cNvPr id="4" name="Slide Number Placeholder 3">
+            <a:extLst>
+              <a:ext uri="{FF2B5EF4-FFF2-40B4-BE49-F238E27FC236}">
+                <a16:creationId xmlns:a16="http://schemas.microsoft.com/office/drawing/2014/main" id="{9D7C8C9A-0542-4130-98A2-67A760523A50}"/>
+              </a:ext>
+            </a:extLst>
+          </p:cNvPr>
+          <p:cNvSpPr>
+            <a:spLocks noGrp="1"/>
+          </p:cNvSpPr>
+          <p:nvPr>
+            <p:ph type="sldNum" sz="quarter" idx="11"/>
+          </p:nvPr>
+        </p:nvSpPr>
+        <p:spPr/>
+        <p:txBody>
+          <a:bodyPr/>
+          <a:lstStyle/>
+          <a:p>
+            <a:fld id="{B6F15528-21DE-4FAA-801E-634DDDAF4B2B}" type="slidenum">
+              <a:rPr lang="de-DE" smtClean="0"/>
+              <a:pPr/>
+              <a:t>5</a:t>
+            </a:fld>
+            <a:endParaRPr lang="de-DE" dirty="0"/>
+          </a:p>
+        </p:txBody>
+      </p:sp>
+      <p:sp>
+        <p:nvSpPr>
+          <p:cNvPr id="5" name="Content Placeholder 4">
+            <a:extLst>
+              <a:ext uri="{FF2B5EF4-FFF2-40B4-BE49-F238E27FC236}">
+                <a16:creationId xmlns:a16="http://schemas.microsoft.com/office/drawing/2014/main" id="{680D64F1-BE32-4461-A898-55A57A188A1F}"/>
+              </a:ext>
+            </a:extLst>
+          </p:cNvPr>
+          <p:cNvSpPr>
+            <a:spLocks noGrp="1"/>
+          </p:cNvSpPr>
+          <p:nvPr>
+            <p:ph sz="quarter" idx="12"/>
+          </p:nvPr>
+        </p:nvSpPr>
+        <p:spPr>
+          <a:xfrm>
+            <a:off x="419297" y="974725"/>
+            <a:ext cx="8305401" cy="3352800"/>
+          </a:xfrm>
+        </p:spPr>
+        <p:txBody>
+          <a:bodyPr/>
+          <a:lstStyle/>
+          <a:p>
+            <a:r>
+              <a:rPr lang="en-US" dirty="0"/>
+              <a:t>Create virtual 5-channel 3D sound field for headphones</a:t>
+            </a:r>
+          </a:p>
+          <a:p>
+            <a:endParaRPr lang="en-US" dirty="0"/>
+          </a:p>
+          <a:p>
+            <a:r>
+              <a:rPr lang="en-US" dirty="0"/>
+              <a:t>HRTF-based Binaural Synthesis : KEMAR data set from Aachen</a:t>
+            </a:r>
+          </a:p>
+          <a:p>
+            <a:endParaRPr lang="en-US" dirty="0"/>
+          </a:p>
+          <a:p>
+            <a:r>
+              <a:rPr lang="en-US" dirty="0"/>
+              <a:t>Synthesized BRIRs using SDM</a:t>
+            </a:r>
+          </a:p>
+          <a:p>
+            <a:pPr lvl="2"/>
+            <a:r>
+              <a:rPr lang="en-US" dirty="0"/>
+              <a:t>Accurate capture of sound field in the room</a:t>
+            </a:r>
+          </a:p>
+          <a:p>
+            <a:pPr lvl="2"/>
+            <a:r>
+              <a:rPr lang="en-US" dirty="0"/>
+              <a:t>Realistic reproduction of acoustic characteristics </a:t>
+            </a:r>
+          </a:p>
+          <a:p>
+            <a:pPr lvl="2"/>
+            <a:r>
+              <a:rPr lang="en-US" dirty="0"/>
+              <a:t>Precise sound localization cues for listener</a:t>
+            </a:r>
+          </a:p>
+          <a:p>
+            <a:pPr lvl="1"/>
+            <a:endParaRPr lang="en-US" dirty="0"/>
+          </a:p>
+          <a:p>
+            <a:pPr lvl="1"/>
+            <a:r>
+              <a:rPr lang="en-US" sz="1800" dirty="0"/>
+              <a:t>Saved SDM Rendered RIRs in .mat files, variable for each channel</a:t>
+            </a:r>
+          </a:p>
+          <a:p>
+            <a:pPr marL="0" indent="0">
+              <a:buNone/>
+            </a:pPr>
+            <a:endParaRPr lang="en-US" dirty="0"/>
+          </a:p>
+          <a:p>
+            <a:endParaRPr lang="en-US" dirty="0"/>
+          </a:p>
+          <a:p>
+            <a:endParaRPr lang="de-DE" dirty="0"/>
+          </a:p>
+        </p:txBody>
+      </p:sp>
+      <p:pic>
+        <p:nvPicPr>
+          <p:cNvPr id="6" name="Picture 5" descr="A diagram of a binaural synthesis&#10;&#10;Description automatically generated with low confidence">
+            <a:extLst>
+              <a:ext uri="{FF2B5EF4-FFF2-40B4-BE49-F238E27FC236}">
+                <a16:creationId xmlns:a16="http://schemas.microsoft.com/office/drawing/2014/main" id="{E0D7C82C-BF51-69F3-2D23-93AB9FD926C9}"/>
+              </a:ext>
+            </a:extLst>
+          </p:cNvPr>
+          <p:cNvPicPr>
+            <a:picLocks noChangeAspect="1"/>
+          </p:cNvPicPr>
+          <p:nvPr/>
+        </p:nvPicPr>
+        <p:blipFill rotWithShape="1">
+          <a:blip r:embed="rId3" cstate="print">
+            <a:extLst>
+              <a:ext uri="{28A0092B-C50C-407E-A947-70E740481C1C}">
+                <a14:useLocalDpi xmlns:a14="http://schemas.microsoft.com/office/drawing/2010/main" val="0"/>
+              </a:ext>
+            </a:extLst>
+          </a:blip>
+          <a:srcRect l="23354" r="10508"/>
+          <a:stretch/>
+        </p:blipFill>
+        <p:spPr>
+          <a:xfrm>
+            <a:off x="6324601" y="1855787"/>
+            <a:ext cx="2057400" cy="1438275"/>
+          </a:xfrm>
+          <a:prstGeom prst="rect">
+            <a:avLst/>
+          </a:prstGeom>
+        </p:spPr>
+      </p:pic>
+      <p:sp>
+        <p:nvSpPr>
+          <p:cNvPr id="3" name="Rectangle 2">
+            <a:extLst>
+              <a:ext uri="{FF2B5EF4-FFF2-40B4-BE49-F238E27FC236}">
+                <a16:creationId xmlns:a16="http://schemas.microsoft.com/office/drawing/2014/main" id="{32BACBE6-05AC-74E7-C3A6-42CB3EDF4F61}"/>
+              </a:ext>
+            </a:extLst>
+          </p:cNvPr>
+          <p:cNvSpPr/>
+          <p:nvPr/>
+        </p:nvSpPr>
+        <p:spPr>
+          <a:xfrm>
+            <a:off x="4479637" y="2113260"/>
+            <a:ext cx="184731" cy="923330"/>
+          </a:xfrm>
+          <a:prstGeom prst="rect">
+            <a:avLst/>
+          </a:prstGeom>
+          <a:noFill/>
+        </p:spPr>
+        <p:txBody>
+          <a:bodyPr wrap="none" lIns="91440" tIns="45720" rIns="91440" bIns="45720">
+            <a:spAutoFit/>
+          </a:bodyPr>
+          <a:lstStyle/>
+          <a:p>
+            <a:pPr algn="ctr"/>
+            <a:endParaRPr lang="en-US" sz="5400" b="1" cap="none" spc="0" dirty="0">
+              <a:ln w="12700">
+                <a:solidFill>
+                  <a:schemeClr val="tx2">
+                    <a:lumMod val="75000"/>
+                  </a:schemeClr>
+                </a:solidFill>
+                <a:prstDash val="solid"/>
+              </a:ln>
+              <a:pattFill prst="dkUpDiag">
+                <a:fgClr>
+                  <a:schemeClr val="tx2"/>
+                </a:fgClr>
+                <a:bgClr>
+                  <a:schemeClr val="tx2">
+                    <a:lumMod val="20000"/>
+                    <a:lumOff val="80000"/>
+                  </a:schemeClr>
+                </a:bgClr>
+              </a:pattFill>
+              <a:effectLst>
+                <a:outerShdw dist="38100" dir="2640000" algn="bl" rotWithShape="0">
+                  <a:schemeClr val="tx2">
+                    <a:lumMod val="75000"/>
+                  </a:schemeClr>
+                </a:outerShdw>
+              </a:effectLst>
+            </a:endParaRPr>
+          </a:p>
+        </p:txBody>
+      </p:sp>
+      <p:sp>
+        <p:nvSpPr>
+          <p:cNvPr id="7" name="Rectangle 6">
+            <a:extLst>
+              <a:ext uri="{FF2B5EF4-FFF2-40B4-BE49-F238E27FC236}">
+                <a16:creationId xmlns:a16="http://schemas.microsoft.com/office/drawing/2014/main" id="{9AEB4AE4-04A5-16C6-2F98-F44ABD661E26}"/>
+              </a:ext>
+            </a:extLst>
+          </p:cNvPr>
+          <p:cNvSpPr/>
+          <p:nvPr/>
+        </p:nvSpPr>
+        <p:spPr>
+          <a:xfrm>
+            <a:off x="5410200" y="2219885"/>
+            <a:ext cx="1034257" cy="430887"/>
+          </a:xfrm>
+          <a:prstGeom prst="rect">
+            <a:avLst/>
+          </a:prstGeom>
+          <a:noFill/>
+        </p:spPr>
+        <p:txBody>
+          <a:bodyPr wrap="none" lIns="91440" tIns="45720" rIns="91440" bIns="45720">
+            <a:spAutoFit/>
+          </a:bodyPr>
+          <a:lstStyle/>
+          <a:p>
+            <a:pPr algn="ctr"/>
+            <a:r>
+              <a:rPr lang="en-US" sz="1100" b="1" dirty="0">
+                <a:ln w="0"/>
+                <a:effectLst>
+                  <a:outerShdw blurRad="38100" dist="19050" dir="2700000" algn="tl" rotWithShape="0">
+                    <a:schemeClr val="dk1">
+                      <a:alpha val="40000"/>
+                    </a:schemeClr>
+                  </a:outerShdw>
+                </a:effectLst>
+              </a:rPr>
+              <a:t>5 Channel</a:t>
+            </a:r>
+          </a:p>
+          <a:p>
+            <a:pPr algn="ctr"/>
+            <a:r>
+              <a:rPr lang="en-US" sz="1100" b="1" cap="none" spc="0" dirty="0">
+                <a:ln w="0"/>
+                <a:solidFill>
+                  <a:schemeClr val="tx1"/>
+                </a:solidFill>
+                <a:effectLst>
+                  <a:outerShdw blurRad="38100" dist="19050" dir="2700000" algn="tl" rotWithShape="0">
+                    <a:schemeClr val="dk1">
+                      <a:alpha val="40000"/>
+                    </a:schemeClr>
+                  </a:outerShdw>
+                </a:effectLst>
+              </a:rPr>
+              <a:t>Audio Content</a:t>
+            </a:r>
+          </a:p>
+        </p:txBody>
+      </p:sp>
+    </p:spTree>
+    <p:extLst>
+      <p:ext uri="{BB962C8B-B14F-4D97-AF65-F5344CB8AC3E}">
+        <p14:creationId xmlns:p14="http://schemas.microsoft.com/office/powerpoint/2010/main" val="3509869162"/>
+      </p:ext>
+    </p:extLst>
+  </p:cSld>
+  <p:clrMapOvr>
+    <a:masterClrMapping/>
+  </p:clrMapOvr>
+  <mc:AlternateContent xmlns:mc="http://schemas.openxmlformats.org/markup-compatibility/2006" xmlns:p14="http://schemas.microsoft.com/office/powerpoint/2010/main">
+    <mc:Choice Requires="p14">
+      <p:transition spd="med" p14:dur="700">
+        <p:fade/>
+      </p:transition>
+    </mc:Choice>
+    <mc:Fallback xmlns="">
+      <p:transition spd="med">
+        <p:fade/>
+      </p:transition>
+    </mc:Fallback>
+  </mc:AlternateContent>
+  <p:timing>
+    <p:tnLst>
+      <p:par>
+        <p:cTn id="1" dur="indefinite" restart="never" nodeType="tmRoot">
+          <p:childTnLst>
+            <p:seq concurrent="1" nextAc="seek">
+              <p:cTn id="2" dur="indefinite" nodeType="mainSeq">
+                <p:childTnLst>
+                  <p:par>
+                    <p:cTn id="3" fill="hold">
+                      <p:stCondLst>
+                        <p:cond delay="indefinite"/>
+                      </p:stCondLst>
+                      <p:childTnLst>
+                        <p:par>
+                          <p:cTn id="4" fill="hold">
+                            <p:stCondLst>
+                              <p:cond delay="0"/>
+                            </p:stCondLst>
+                            <p:childTnLst>
+                              <p:par>
+                                <p:cTn id="5" presetID="10" presetClass="entr" presetSubtype="0" fill="hold" grpId="0" nodeType="clickEffect">
+                                  <p:stCondLst>
+                                    <p:cond delay="0"/>
+                                  </p:stCondLst>
+                                  <p:childTnLst>
+                                    <p:set>
+                                      <p:cBhvr>
+                                        <p:cTn id="6" dur="1" fill="hold">
+                                          <p:stCondLst>
+                                            <p:cond delay="0"/>
+                                          </p:stCondLst>
+                                        </p:cTn>
+                                        <p:tgtEl>
+                                          <p:spTgt spid="5">
+                                            <p:txEl>
+                                              <p:pRg st="2" end="2"/>
+                                            </p:txEl>
+                                          </p:spTgt>
+                                        </p:tgtEl>
+                                        <p:attrNameLst>
+                                          <p:attrName>style.visibility</p:attrName>
+                                        </p:attrNameLst>
+                                      </p:cBhvr>
+                                      <p:to>
+                                        <p:strVal val="visible"/>
+                                      </p:to>
+                                    </p:set>
+                                    <p:animEffect transition="in" filter="fade">
+                                      <p:cBhvr>
+                                        <p:cTn id="7" dur="500"/>
+                                        <p:tgtEl>
+                                          <p:spTgt spid="5">
+                                            <p:txEl>
+                                              <p:pRg st="2" end="2"/>
+                                            </p:txEl>
+                                          </p:spTgt>
+                                        </p:tgtEl>
+                                      </p:cBhvr>
+                                    </p:animEffect>
+                                  </p:childTnLst>
+                                </p:cTn>
+                              </p:par>
+                            </p:childTnLst>
+                          </p:cTn>
+                        </p:par>
+                      </p:childTnLst>
+                    </p:cTn>
+                  </p:par>
+                  <p:par>
+                    <p:cTn id="8" fill="hold">
+                      <p:stCondLst>
+                        <p:cond delay="indefinite"/>
+                      </p:stCondLst>
+                      <p:childTnLst>
+                        <p:par>
+                          <p:cTn id="9" fill="hold">
+                            <p:stCondLst>
+                              <p:cond delay="0"/>
+                            </p:stCondLst>
+                            <p:childTnLst>
+                              <p:par>
+                                <p:cTn id="10" presetID="10" presetClass="entr" presetSubtype="0" fill="hold" grpId="0" nodeType="clickEffect">
+                                  <p:stCondLst>
+                                    <p:cond delay="0"/>
+                                  </p:stCondLst>
+                                  <p:childTnLst>
+                                    <p:set>
+                                      <p:cBhvr>
+                                        <p:cTn id="11" dur="1" fill="hold">
+                                          <p:stCondLst>
+                                            <p:cond delay="0"/>
+                                          </p:stCondLst>
+                                        </p:cTn>
+                                        <p:tgtEl>
+                                          <p:spTgt spid="5">
+                                            <p:txEl>
+                                              <p:pRg st="4" end="4"/>
+                                            </p:txEl>
+                                          </p:spTgt>
+                                        </p:tgtEl>
+                                        <p:attrNameLst>
+                                          <p:attrName>style.visibility</p:attrName>
+                                        </p:attrNameLst>
+                                      </p:cBhvr>
+                                      <p:to>
+                                        <p:strVal val="visible"/>
+                                      </p:to>
+                                    </p:set>
+                                    <p:animEffect transition="in" filter="fade">
+                                      <p:cBhvr>
+                                        <p:cTn id="12" dur="500"/>
+                                        <p:tgtEl>
+                                          <p:spTgt spid="5">
+                                            <p:txEl>
+                                              <p:pRg st="4" end="4"/>
+                                            </p:txEl>
+                                          </p:spTgt>
+                                        </p:tgtEl>
+                                      </p:cBhvr>
+                                    </p:animEffect>
+                                  </p:childTnLst>
+                                </p:cTn>
+                              </p:par>
+                              <p:par>
+                                <p:cTn id="13" presetID="10" presetClass="entr" presetSubtype="0" fill="hold" grpId="0" nodeType="withEffect">
+                                  <p:stCondLst>
+                                    <p:cond delay="0"/>
+                                  </p:stCondLst>
+                                  <p:childTnLst>
+                                    <p:set>
+                                      <p:cBhvr>
+                                        <p:cTn id="14" dur="1" fill="hold">
+                                          <p:stCondLst>
+                                            <p:cond delay="0"/>
+                                          </p:stCondLst>
+                                        </p:cTn>
+                                        <p:tgtEl>
+                                          <p:spTgt spid="5">
+                                            <p:txEl>
+                                              <p:pRg st="5" end="5"/>
+                                            </p:txEl>
+                                          </p:spTgt>
+                                        </p:tgtEl>
+                                        <p:attrNameLst>
+                                          <p:attrName>style.visibility</p:attrName>
+                                        </p:attrNameLst>
+                                      </p:cBhvr>
+                                      <p:to>
+                                        <p:strVal val="visible"/>
+                                      </p:to>
+                                    </p:set>
+                                    <p:animEffect transition="in" filter="fade">
+                                      <p:cBhvr>
+                                        <p:cTn id="15" dur="500"/>
+                                        <p:tgtEl>
+                                          <p:spTgt spid="5">
+                                            <p:txEl>
+                                              <p:pRg st="5" end="5"/>
+                                            </p:txEl>
+                                          </p:spTgt>
+                                        </p:tgtEl>
+                                      </p:cBhvr>
+                                    </p:animEffect>
+                                  </p:childTnLst>
+                                </p:cTn>
+                              </p:par>
+                              <p:par>
+                                <p:cTn id="16" presetID="10" presetClass="entr" presetSubtype="0" fill="hold" grpId="0" nodeType="withEffect">
+                                  <p:stCondLst>
+                                    <p:cond delay="0"/>
+                                  </p:stCondLst>
+                                  <p:childTnLst>
+                                    <p:set>
+                                      <p:cBhvr>
+                                        <p:cTn id="17" dur="1" fill="hold">
+                                          <p:stCondLst>
+                                            <p:cond delay="0"/>
+                                          </p:stCondLst>
+                                        </p:cTn>
+                                        <p:tgtEl>
+                                          <p:spTgt spid="5">
+                                            <p:txEl>
+                                              <p:pRg st="6" end="6"/>
+                                            </p:txEl>
+                                          </p:spTgt>
+                                        </p:tgtEl>
+                                        <p:attrNameLst>
+                                          <p:attrName>style.visibility</p:attrName>
+                                        </p:attrNameLst>
+                                      </p:cBhvr>
+                                      <p:to>
+                                        <p:strVal val="visible"/>
+                                      </p:to>
+                                    </p:set>
+                                    <p:animEffect transition="in" filter="fade">
+                                      <p:cBhvr>
+                                        <p:cTn id="18" dur="500"/>
+                                        <p:tgtEl>
+                                          <p:spTgt spid="5">
+                                            <p:txEl>
+                                              <p:pRg st="6" end="6"/>
+                                            </p:txEl>
+                                          </p:spTgt>
+                                        </p:tgtEl>
+                                      </p:cBhvr>
+                                    </p:animEffect>
+                                  </p:childTnLst>
+                                </p:cTn>
+                              </p:par>
+                              <p:par>
+                                <p:cTn id="19" presetID="10" presetClass="entr" presetSubtype="0" fill="hold" grpId="0" nodeType="withEffect">
+                                  <p:stCondLst>
+                                    <p:cond delay="0"/>
+                                  </p:stCondLst>
+                                  <p:childTnLst>
+                                    <p:set>
+                                      <p:cBhvr>
+                                        <p:cTn id="20" dur="1" fill="hold">
+                                          <p:stCondLst>
+                                            <p:cond delay="0"/>
+                                          </p:stCondLst>
+                                        </p:cTn>
+                                        <p:tgtEl>
+                                          <p:spTgt spid="5">
+                                            <p:txEl>
+                                              <p:pRg st="7" end="7"/>
+                                            </p:txEl>
+                                          </p:spTgt>
+                                        </p:tgtEl>
+                                        <p:attrNameLst>
+                                          <p:attrName>style.visibility</p:attrName>
+                                        </p:attrNameLst>
+                                      </p:cBhvr>
+                                      <p:to>
+                                        <p:strVal val="visible"/>
+                                      </p:to>
+                                    </p:set>
+                                    <p:animEffect transition="in" filter="fade">
+                                      <p:cBhvr>
+                                        <p:cTn id="21" dur="500"/>
+                                        <p:tgtEl>
+                                          <p:spTgt spid="5">
+                                            <p:txEl>
+                                              <p:pRg st="7" end="7"/>
+                                            </p:txEl>
+                                          </p:spTgt>
+                                        </p:tgtEl>
+                                      </p:cBhvr>
+                                    </p:animEffect>
+                                  </p:childTnLst>
+                                </p:cTn>
+                              </p:par>
+                              <p:par>
+                                <p:cTn id="22" presetID="10" presetClass="entr" presetSubtype="0" fill="hold" nodeType="withEffect">
+                                  <p:stCondLst>
+                                    <p:cond delay="0"/>
+                                  </p:stCondLst>
+                                  <p:childTnLst>
+                                    <p:set>
+                                      <p:cBhvr>
+                                        <p:cTn id="23" dur="1" fill="hold">
+                                          <p:stCondLst>
+                                            <p:cond delay="0"/>
+                                          </p:stCondLst>
+                                        </p:cTn>
+                                        <p:tgtEl>
+                                          <p:spTgt spid="6"/>
+                                        </p:tgtEl>
+                                        <p:attrNameLst>
+                                          <p:attrName>style.visibility</p:attrName>
+                                        </p:attrNameLst>
+                                      </p:cBhvr>
+                                      <p:to>
+                                        <p:strVal val="visible"/>
+                                      </p:to>
+                                    </p:set>
+                                    <p:animEffect transition="in" filter="fade">
+                                      <p:cBhvr>
+                                        <p:cTn id="24" dur="500"/>
+                                        <p:tgtEl>
+                                          <p:spTgt spid="6"/>
+                                        </p:tgtEl>
+                                      </p:cBhvr>
+                                    </p:animEffect>
+                                  </p:childTnLst>
+                                </p:cTn>
+                              </p:par>
+                              <p:par>
+                                <p:cTn id="25" presetID="10" presetClass="entr" presetSubtype="0" fill="hold" grpId="0" nodeType="withEffect">
+                                  <p:stCondLst>
+                                    <p:cond delay="0"/>
+                                  </p:stCondLst>
+                                  <p:childTnLst>
+                                    <p:set>
+                                      <p:cBhvr>
+                                        <p:cTn id="26" dur="1" fill="hold">
+                                          <p:stCondLst>
+                                            <p:cond delay="0"/>
+                                          </p:stCondLst>
+                                        </p:cTn>
+                                        <p:tgtEl>
+                                          <p:spTgt spid="7"/>
+                                        </p:tgtEl>
+                                        <p:attrNameLst>
+                                          <p:attrName>style.visibility</p:attrName>
+                                        </p:attrNameLst>
+                                      </p:cBhvr>
+                                      <p:to>
+                                        <p:strVal val="visible"/>
+                                      </p:to>
+                                    </p:set>
+                                    <p:animEffect transition="in" filter="fade">
+                                      <p:cBhvr>
+                                        <p:cTn id="27" dur="500"/>
+                                        <p:tgtEl>
+                                          <p:spTgt spid="7"/>
+                                        </p:tgtEl>
+                                      </p:cBhvr>
+                                    </p:animEffect>
+                                  </p:childTnLst>
+                                </p:cTn>
+                              </p:par>
+                            </p:childTnLst>
+                          </p:cTn>
+                        </p:par>
+                      </p:childTnLst>
+                    </p:cTn>
+                  </p:par>
+                  <p:par>
+                    <p:cTn id="28" fill="hold">
+                      <p:stCondLst>
+                        <p:cond delay="indefinite"/>
+                      </p:stCondLst>
+                      <p:childTnLst>
+                        <p:par>
+                          <p:cTn id="29" fill="hold">
+                            <p:stCondLst>
+                              <p:cond delay="0"/>
+                            </p:stCondLst>
+                            <p:childTnLst>
+                              <p:par>
+                                <p:cTn id="30" presetID="10" presetClass="entr" presetSubtype="0" fill="hold" grpId="0" nodeType="clickEffect">
+                                  <p:stCondLst>
+                                    <p:cond delay="0"/>
+                                  </p:stCondLst>
+                                  <p:childTnLst>
+                                    <p:set>
+                                      <p:cBhvr>
+                                        <p:cTn id="31" dur="1" fill="hold">
+                                          <p:stCondLst>
+                                            <p:cond delay="0"/>
+                                          </p:stCondLst>
+                                        </p:cTn>
+                                        <p:tgtEl>
+                                          <p:spTgt spid="5">
+                                            <p:txEl>
+                                              <p:pRg st="9" end="9"/>
+                                            </p:txEl>
+                                          </p:spTgt>
+                                        </p:tgtEl>
+                                        <p:attrNameLst>
+                                          <p:attrName>style.visibility</p:attrName>
+                                        </p:attrNameLst>
+                                      </p:cBhvr>
+                                      <p:to>
+                                        <p:strVal val="visible"/>
+                                      </p:to>
+                                    </p:set>
+                                    <p:animEffect transition="in" filter="fade">
+                                      <p:cBhvr>
+                                        <p:cTn id="32" dur="500"/>
+                                        <p:tgtEl>
+                                          <p:spTgt spid="5">
+                                            <p:txEl>
+                                              <p:pRg st="9" end="9"/>
+                                            </p:txEl>
+                                          </p:spTgt>
+                                        </p:tgtEl>
+                                      </p:cBhvr>
+                                    </p:animEffect>
+                                  </p:childTnLst>
+                                </p:cTn>
+                              </p:par>
+                            </p:childTnLst>
+                          </p:cTn>
+                        </p:par>
+                      </p:childTnLst>
+                    </p:cTn>
+                  </p:par>
+                </p:childTnLst>
+              </p:cTn>
+              <p:prevCondLst>
+                <p:cond evt="onPrev" delay="0">
+                  <p:tgtEl>
+                    <p:sldTgt/>
+                  </p:tgtEl>
+                </p:cond>
+              </p:prevCondLst>
+              <p:nextCondLst>
+                <p:cond evt="onNext" delay="0">
+                  <p:tgtEl>
+                    <p:sldTgt/>
+                  </p:tgtEl>
+                </p:cond>
+              </p:nextCondLst>
+            </p:seq>
+          </p:childTnLst>
+        </p:cTn>
+      </p:par>
+    </p:tnLst>
+    <p:bldLst>
+      <p:bldP spid="5" grpId="0" uiExpand="1" build="p"/>
+      <p:bldP spid="7" grpId="0"/>
     </p:bldLst>
   </p:timing>
 </p:sld>
@@ -17659,15 +18132,15 @@
 <file path=customXml/itemProps3.xml><?xml version="1.0" encoding="utf-8"?>
 <ds:datastoreItem xmlns:ds="http://schemas.openxmlformats.org/officeDocument/2006/customXml" ds:itemID="{A4C4B774-E627-4FE8-B307-37373ED1FB22}">
   <ds:schemaRefs>
+    <ds:schemaRef ds:uri="a73474c9-6c0d-435d-a09f-26da0bcf3aee"/>
+    <ds:schemaRef ds:uri="http://schemas.microsoft.com/office/2006/documentManagement/types"/>
+    <ds:schemaRef ds:uri="http://purl.org/dc/elements/1.1/"/>
+    <ds:schemaRef ds:uri="http://schemas.openxmlformats.org/package/2006/metadata/core-properties"/>
     <ds:schemaRef ds:uri="http://schemas.microsoft.com/office/2006/metadata/properties"/>
+    <ds:schemaRef ds:uri="http://purl.org/dc/dcmitype/"/>
     <ds:schemaRef ds:uri="http://schemas.microsoft.com/office/infopath/2007/PartnerControls"/>
-    <ds:schemaRef ds:uri="http://schemas.microsoft.com/office/2006/documentManagement/types"/>
     <ds:schemaRef ds:uri="http://www.w3.org/XML/1998/namespace"/>
-    <ds:schemaRef ds:uri="http://purl.org/dc/dcmitype/"/>
     <ds:schemaRef ds:uri="http://purl.org/dc/terms/"/>
-    <ds:schemaRef ds:uri="a73474c9-6c0d-435d-a09f-26da0bcf3aee"/>
-    <ds:schemaRef ds:uri="http://schemas.openxmlformats.org/package/2006/metadata/core-properties"/>
-    <ds:schemaRef ds:uri="http://purl.org/dc/elements/1.1/"/>
   </ds:schemaRefs>
 </ds:datastoreItem>
 </file>